--- a/SE401/Lectures/9-Testing Metrics and Tools/Testing Metrics and Tools.pptx
+++ b/SE401/Lectures/9-Testing Metrics and Tools/Testing Metrics and Tools.pptx
@@ -5,7 +5,7 @@
     <p:sldMasterId id="2147483648" r:id="rId1"/>
   </p:sldMasterIdLst>
   <p:notesMasterIdLst>
-    <p:notesMasterId r:id="rId102"/>
+    <p:notesMasterId r:id="rId99"/>
   </p:notesMasterIdLst>
   <p:sldIdLst>
     <p:sldId id="256" r:id="rId2"/>
@@ -91,23 +91,20 @@
     <p:sldId id="363" r:id="rId82"/>
     <p:sldId id="364" r:id="rId83"/>
     <p:sldId id="365" r:id="rId84"/>
-    <p:sldId id="366" r:id="rId85"/>
-    <p:sldId id="367" r:id="rId86"/>
-    <p:sldId id="368" r:id="rId87"/>
-    <p:sldId id="289" r:id="rId88"/>
-    <p:sldId id="290" r:id="rId89"/>
-    <p:sldId id="291" r:id="rId90"/>
-    <p:sldId id="292" r:id="rId91"/>
-    <p:sldId id="293" r:id="rId92"/>
-    <p:sldId id="294" r:id="rId93"/>
-    <p:sldId id="296" r:id="rId94"/>
-    <p:sldId id="297" r:id="rId95"/>
-    <p:sldId id="301" r:id="rId96"/>
-    <p:sldId id="371" r:id="rId97"/>
-    <p:sldId id="302" r:id="rId98"/>
-    <p:sldId id="303" r:id="rId99"/>
-    <p:sldId id="314" r:id="rId100"/>
-    <p:sldId id="315" r:id="rId101"/>
+    <p:sldId id="289" r:id="rId85"/>
+    <p:sldId id="290" r:id="rId86"/>
+    <p:sldId id="291" r:id="rId87"/>
+    <p:sldId id="292" r:id="rId88"/>
+    <p:sldId id="293" r:id="rId89"/>
+    <p:sldId id="294" r:id="rId90"/>
+    <p:sldId id="296" r:id="rId91"/>
+    <p:sldId id="297" r:id="rId92"/>
+    <p:sldId id="301" r:id="rId93"/>
+    <p:sldId id="371" r:id="rId94"/>
+    <p:sldId id="302" r:id="rId95"/>
+    <p:sldId id="303" r:id="rId96"/>
+    <p:sldId id="314" r:id="rId97"/>
+    <p:sldId id="315" r:id="rId98"/>
   </p:sldIdLst>
   <p:sldSz cx="12192000" cy="6858000"/>
   <p:notesSz cx="6858000" cy="9144000"/>
@@ -2534,18 +2531,18 @@
     </dgm:pt>
   </dgm:ptLst>
   <dgm:cxnLst>
-    <dgm:cxn modelId="{5560FE4C-9FA1-4964-BA33-3CF68979235B}" type="presOf" srcId="{DA342E01-E334-42D1-8171-B89F4131F747}" destId="{A8C6FC44-ACD4-4F37-9F41-7EAF0CF43069}" srcOrd="0" destOrd="0" presId="urn:microsoft.com/office/officeart/2008/layout/HalfCircleOrganizationChart"/>
     <dgm:cxn modelId="{8DEEFF03-D025-47BE-87DC-325D8D65C936}" type="presOf" srcId="{166F6CBC-18B4-4438-B8EC-B022CF46BF4D}" destId="{78950BD5-1290-4354-8B6B-09FD6DA53F0A}" srcOrd="0" destOrd="0" presId="urn:microsoft.com/office/officeart/2008/layout/HalfCircleOrganizationChart"/>
-    <dgm:cxn modelId="{75A35621-E53C-4BAA-8058-1EF931F2B654}" srcId="{DA342E01-E334-42D1-8171-B89F4131F747}" destId="{019F5870-650F-4F05-AAA0-0C254A54C162}" srcOrd="0" destOrd="0" parTransId="{93066FB3-2C0D-4EDA-8C94-D25605CEA909}" sibTransId="{5D472651-9192-42C6-838A-4794F59B48F4}"/>
+    <dgm:cxn modelId="{6D6D175B-3EC8-49ED-ACEC-1D62BBEBCDF9}" type="presOf" srcId="{7FF61EED-AC7D-48EA-9FA3-355CEBE859F4}" destId="{DEB0E1AB-8B61-489B-B7A1-AECAA44D90EF}" srcOrd="0" destOrd="0" presId="urn:microsoft.com/office/officeart/2008/layout/HalfCircleOrganizationChart"/>
     <dgm:cxn modelId="{14CF1625-B441-4AE5-9E7C-7B6754754775}" type="presOf" srcId="{151F552F-7EF6-400F-91F7-B7B9A8324C73}" destId="{86326920-4BAB-4D81-BF66-4E0E38A9E46B}" srcOrd="1" destOrd="0" presId="urn:microsoft.com/office/officeart/2008/layout/HalfCircleOrganizationChart"/>
     <dgm:cxn modelId="{46A9FD95-EC5D-42F3-BA18-C6019F85A02E}" type="presOf" srcId="{019F5870-650F-4F05-AAA0-0C254A54C162}" destId="{91D0D222-48F9-45C7-8BA8-B573C69C3B6E}" srcOrd="0" destOrd="0" presId="urn:microsoft.com/office/officeart/2008/layout/HalfCircleOrganizationChart"/>
+    <dgm:cxn modelId="{8CD8748A-453B-417E-8910-AC6AF4EC4291}" type="presOf" srcId="{019F5870-650F-4F05-AAA0-0C254A54C162}" destId="{DDF6F62D-A96A-455D-B6A9-5722EE8F2792}" srcOrd="1" destOrd="0" presId="urn:microsoft.com/office/officeart/2008/layout/HalfCircleOrganizationChart"/>
     <dgm:cxn modelId="{5971B0C8-DAF0-40F1-8D64-FE9AEC34A0DC}" type="presOf" srcId="{151F552F-7EF6-400F-91F7-B7B9A8324C73}" destId="{E2C5F002-B5A6-49EF-A95A-B070EEF32F80}" srcOrd="0" destOrd="0" presId="urn:microsoft.com/office/officeart/2008/layout/HalfCircleOrganizationChart"/>
+    <dgm:cxn modelId="{151D7AC5-E52F-4203-8815-97E7E0E7032C}" type="presOf" srcId="{A6484DD7-3A05-4464-8046-84A728BB456D}" destId="{D1336ABB-31EB-48B7-AF84-AE2FB2CBDA93}" srcOrd="0" destOrd="0" presId="urn:microsoft.com/office/officeart/2008/layout/HalfCircleOrganizationChart"/>
+    <dgm:cxn modelId="{9A167E5C-CD19-4AF3-9F9F-E9C028AA64F4}" type="presOf" srcId="{166F6CBC-18B4-4438-B8EC-B022CF46BF4D}" destId="{E5591542-4BE7-412C-9C67-D04D9F879EEA}" srcOrd="1" destOrd="0" presId="urn:microsoft.com/office/officeart/2008/layout/HalfCircleOrganizationChart"/>
+    <dgm:cxn modelId="{8D9A4E38-0877-40D1-8552-9BAF12BD93CB}" srcId="{019F5870-650F-4F05-AAA0-0C254A54C162}" destId="{151F552F-7EF6-400F-91F7-B7B9A8324C73}" srcOrd="1" destOrd="0" parTransId="{A6484DD7-3A05-4464-8046-84A728BB456D}" sibTransId="{4C31BFEE-7BFA-45F1-8F16-32F3884802C4}"/>
+    <dgm:cxn modelId="{75A35621-E53C-4BAA-8058-1EF931F2B654}" srcId="{DA342E01-E334-42D1-8171-B89F4131F747}" destId="{019F5870-650F-4F05-AAA0-0C254A54C162}" srcOrd="0" destOrd="0" parTransId="{93066FB3-2C0D-4EDA-8C94-D25605CEA909}" sibTransId="{5D472651-9192-42C6-838A-4794F59B48F4}"/>
+    <dgm:cxn modelId="{5560FE4C-9FA1-4964-BA33-3CF68979235B}" type="presOf" srcId="{DA342E01-E334-42D1-8171-B89F4131F747}" destId="{A8C6FC44-ACD4-4F37-9F41-7EAF0CF43069}" srcOrd="0" destOrd="0" presId="urn:microsoft.com/office/officeart/2008/layout/HalfCircleOrganizationChart"/>
     <dgm:cxn modelId="{35DDDAA7-AF6F-46AE-92BA-51D32595DF47}" srcId="{019F5870-650F-4F05-AAA0-0C254A54C162}" destId="{166F6CBC-18B4-4438-B8EC-B022CF46BF4D}" srcOrd="0" destOrd="0" parTransId="{7FF61EED-AC7D-48EA-9FA3-355CEBE859F4}" sibTransId="{8CC0E2C6-91E7-452E-B47C-76593833BF28}"/>
-    <dgm:cxn modelId="{9A167E5C-CD19-4AF3-9F9F-E9C028AA64F4}" type="presOf" srcId="{166F6CBC-18B4-4438-B8EC-B022CF46BF4D}" destId="{E5591542-4BE7-412C-9C67-D04D9F879EEA}" srcOrd="1" destOrd="0" presId="urn:microsoft.com/office/officeart/2008/layout/HalfCircleOrganizationChart"/>
-    <dgm:cxn modelId="{151D7AC5-E52F-4203-8815-97E7E0E7032C}" type="presOf" srcId="{A6484DD7-3A05-4464-8046-84A728BB456D}" destId="{D1336ABB-31EB-48B7-AF84-AE2FB2CBDA93}" srcOrd="0" destOrd="0" presId="urn:microsoft.com/office/officeart/2008/layout/HalfCircleOrganizationChart"/>
-    <dgm:cxn modelId="{8D9A4E38-0877-40D1-8552-9BAF12BD93CB}" srcId="{019F5870-650F-4F05-AAA0-0C254A54C162}" destId="{151F552F-7EF6-400F-91F7-B7B9A8324C73}" srcOrd="1" destOrd="0" parTransId="{A6484DD7-3A05-4464-8046-84A728BB456D}" sibTransId="{4C31BFEE-7BFA-45F1-8F16-32F3884802C4}"/>
-    <dgm:cxn modelId="{8CD8748A-453B-417E-8910-AC6AF4EC4291}" type="presOf" srcId="{019F5870-650F-4F05-AAA0-0C254A54C162}" destId="{DDF6F62D-A96A-455D-B6A9-5722EE8F2792}" srcOrd="1" destOrd="0" presId="urn:microsoft.com/office/officeart/2008/layout/HalfCircleOrganizationChart"/>
-    <dgm:cxn modelId="{6D6D175B-3EC8-49ED-ACEC-1D62BBEBCDF9}" type="presOf" srcId="{7FF61EED-AC7D-48EA-9FA3-355CEBE859F4}" destId="{DEB0E1AB-8B61-489B-B7A1-AECAA44D90EF}" srcOrd="0" destOrd="0" presId="urn:microsoft.com/office/officeart/2008/layout/HalfCircleOrganizationChart"/>
     <dgm:cxn modelId="{0B2ED563-4F75-4ACD-B18A-B3EA4B2E3DC5}" type="presParOf" srcId="{A8C6FC44-ACD4-4F37-9F41-7EAF0CF43069}" destId="{E2DE3FF5-AC2D-44FD-8AEF-7EA928FE28A7}" srcOrd="0" destOrd="0" presId="urn:microsoft.com/office/officeart/2008/layout/HalfCircleOrganizationChart"/>
     <dgm:cxn modelId="{D5BD3A7C-8FBD-4795-81BF-2154134244CD}" type="presParOf" srcId="{E2DE3FF5-AC2D-44FD-8AEF-7EA928FE28A7}" destId="{74521654-80FD-4FE2-A348-02687233D4CA}" srcOrd="0" destOrd="0" presId="urn:microsoft.com/office/officeart/2008/layout/HalfCircleOrganizationChart"/>
     <dgm:cxn modelId="{CBD590C3-CAEB-4388-94C9-8C0B0A8FF04E}" type="presParOf" srcId="{74521654-80FD-4FE2-A348-02687233D4CA}" destId="{91D0D222-48F9-45C7-8BA8-B573C69C3B6E}" srcOrd="0" destOrd="0" presId="urn:microsoft.com/office/officeart/2008/layout/HalfCircleOrganizationChart"/>
@@ -8722,7 +8719,7 @@
           <a:p>
             <a:fld id="{18D58CDB-FB35-4960-BBD1-BE10E7E051F2}" type="datetimeFigureOut">
               <a:rPr lang="en-US" smtClean="0"/>
-              <a:t>11/28/2021</a:t>
+              <a:t>2/23/2022</a:t>
             </a:fld>
             <a:endParaRPr lang="en-US"/>
           </a:p>
@@ -9552,14 +9549,14 @@
           <a:ln/>
           <a:extLst>
             <a:ext uri="{909E8E84-426E-40dd-AFC4-6F175D3DCCD1}">
-              <a14:hiddenFill xmlns:a14="http://schemas.microsoft.com/office/drawing/2010/main" xmlns="">
+              <a14:hiddenFill xmlns="" xmlns:a14="http://schemas.microsoft.com/office/drawing/2010/main">
                 <a:solidFill>
                   <a:srgbClr val="FFFFFF"/>
                 </a:solidFill>
               </a14:hiddenFill>
             </a:ext>
             <a:ext uri="{91240B29-F687-4f45-9708-019B960494DF}">
-              <a14:hiddenLine xmlns:a14="http://schemas.microsoft.com/office/drawing/2010/main" xmlns="" w="9525">
+              <a14:hiddenLine xmlns="" xmlns:a14="http://schemas.microsoft.com/office/drawing/2010/main" w="9525">
                 <a:solidFill>
                   <a:srgbClr val="000000"/>
                 </a:solidFill>
@@ -9569,7 +9566,7 @@
               </a14:hiddenLine>
             </a:ext>
             <a:ext uri="{FAA26D3D-D897-4be2-8F04-BA451C77F1D7}">
-              <ma14:placeholderFlag xmlns:ma14="http://schemas.microsoft.com/office/mac/drawingml/2011/main" xmlns="" val="1"/>
+              <ma14:placeholderFlag xmlns="" xmlns:ma14="http://schemas.microsoft.com/office/mac/drawingml/2011/main" val="1"/>
             </a:ext>
           </a:extLst>
         </p:spPr>
@@ -9685,7 +9682,7 @@
               <a:pPr>
                 <a:defRPr/>
               </a:pPr>
-              <a:t>94</a:t>
+              <a:t>91</a:t>
             </a:fld>
             <a:r>
               <a:rPr lang="en-US" dirty="0" smtClean="0"/>
@@ -9857,7 +9854,7 @@
               <a:pPr>
                 <a:defRPr/>
               </a:pPr>
-              <a:t>95</a:t>
+              <a:t>92</a:t>
             </a:fld>
             <a:r>
               <a:rPr lang="en-US" dirty="0" smtClean="0"/>
@@ -10029,7 +10026,7 @@
               <a:pPr>
                 <a:defRPr/>
               </a:pPr>
-              <a:t>96</a:t>
+              <a:t>93</a:t>
             </a:fld>
             <a:r>
               <a:rPr lang="en-US" dirty="0" smtClean="0"/>
@@ -10201,7 +10198,7 @@
               <a:pPr>
                 <a:defRPr/>
               </a:pPr>
-              <a:t>98</a:t>
+              <a:t>95</a:t>
             </a:fld>
             <a:r>
               <a:rPr lang="en-US" dirty="0" smtClean="0"/>
@@ -10270,14 +10267,14 @@
           <a:ln/>
           <a:extLst>
             <a:ext uri="{909E8E84-426E-40dd-AFC4-6F175D3DCCD1}">
-              <a14:hiddenFill xmlns:a14="http://schemas.microsoft.com/office/drawing/2010/main" xmlns="">
+              <a14:hiddenFill xmlns="" xmlns:a14="http://schemas.microsoft.com/office/drawing/2010/main">
                 <a:solidFill>
                   <a:srgbClr val="FFFFFF"/>
                 </a:solidFill>
               </a14:hiddenFill>
             </a:ext>
             <a:ext uri="{91240B29-F687-4f45-9708-019B960494DF}">
-              <a14:hiddenLine xmlns:a14="http://schemas.microsoft.com/office/drawing/2010/main" xmlns="" w="9525">
+              <a14:hiddenLine xmlns="" xmlns:a14="http://schemas.microsoft.com/office/drawing/2010/main" w="9525">
                 <a:solidFill>
                   <a:srgbClr val="000000"/>
                 </a:solidFill>
@@ -10287,7 +10284,7 @@
               </a14:hiddenLine>
             </a:ext>
             <a:ext uri="{FAA26D3D-D897-4be2-8F04-BA451C77F1D7}">
-              <ma14:placeholderFlag xmlns:ma14="http://schemas.microsoft.com/office/mac/drawingml/2011/main" xmlns="" val="1"/>
+              <ma14:placeholderFlag xmlns="" xmlns:ma14="http://schemas.microsoft.com/office/mac/drawingml/2011/main" val="1"/>
             </a:ext>
           </a:extLst>
         </p:spPr>
@@ -10402,7 +10399,7 @@
               <a:pPr>
                 <a:defRPr/>
               </a:pPr>
-              <a:t>99</a:t>
+              <a:t>96</a:t>
             </a:fld>
             <a:r>
               <a:rPr lang="en-US" dirty="0" smtClean="0"/>
@@ -10471,14 +10468,14 @@
           <a:ln/>
           <a:extLst>
             <a:ext uri="{909E8E84-426E-40dd-AFC4-6F175D3DCCD1}">
-              <a14:hiddenFill xmlns:a14="http://schemas.microsoft.com/office/drawing/2010/main" xmlns="">
+              <a14:hiddenFill xmlns="" xmlns:a14="http://schemas.microsoft.com/office/drawing/2010/main">
                 <a:solidFill>
                   <a:srgbClr val="FFFFFF"/>
                 </a:solidFill>
               </a14:hiddenFill>
             </a:ext>
             <a:ext uri="{91240B29-F687-4f45-9708-019B960494DF}">
-              <a14:hiddenLine xmlns:a14="http://schemas.microsoft.com/office/drawing/2010/main" xmlns="" w="9525">
+              <a14:hiddenLine xmlns="" xmlns:a14="http://schemas.microsoft.com/office/drawing/2010/main" w="9525">
                 <a:solidFill>
                   <a:srgbClr val="000000"/>
                 </a:solidFill>
@@ -10488,7 +10485,7 @@
               </a14:hiddenLine>
             </a:ext>
             <a:ext uri="{FAA26D3D-D897-4be2-8F04-BA451C77F1D7}">
-              <ma14:placeholderFlag xmlns:ma14="http://schemas.microsoft.com/office/mac/drawingml/2011/main" xmlns="" val="1"/>
+              <ma14:placeholderFlag xmlns="" xmlns:ma14="http://schemas.microsoft.com/office/mac/drawingml/2011/main" val="1"/>
             </a:ext>
           </a:extLst>
         </p:spPr>
@@ -10603,7 +10600,7 @@
               <a:pPr>
                 <a:defRPr/>
               </a:pPr>
-              <a:t>100</a:t>
+              <a:t>97</a:t>
             </a:fld>
             <a:r>
               <a:rPr lang="en-US" dirty="0" smtClean="0"/>
@@ -10763,7 +10760,7 @@
           <a:p>
             <a:fld id="{73FDDA95-3E2A-4B2C-BE24-C5A0D5EA4D5D}" type="datetime1">
               <a:rPr lang="en-US" smtClean="0"/>
-              <a:t>11/28/2021</a:t>
+              <a:t>2/23/2022</a:t>
             </a:fld>
             <a:endParaRPr lang="en-US"/>
           </a:p>
@@ -11014,7 +11011,7 @@
           <a:p>
             <a:fld id="{97C0B128-ED08-4B46-B4D0-5439A7EB29B0}" type="datetime1">
               <a:rPr lang="en-US" smtClean="0"/>
-              <a:t>11/28/2021</a:t>
+              <a:t>2/23/2022</a:t>
             </a:fld>
             <a:endParaRPr lang="en-US"/>
           </a:p>
@@ -11194,7 +11191,7 @@
           <a:p>
             <a:fld id="{C3ECF309-123F-47C1-BC51-529A53EBC90B}" type="datetime1">
               <a:rPr lang="en-US" smtClean="0"/>
-              <a:t>11/28/2021</a:t>
+              <a:t>2/23/2022</a:t>
             </a:fld>
             <a:endParaRPr lang="en-US"/>
           </a:p>
@@ -11450,7 +11447,7 @@
           <a:p>
             <a:fld id="{8F491770-02F5-4EEB-8601-CC4E424F523D}" type="datetime1">
               <a:rPr lang="en-US" smtClean="0"/>
-              <a:t>11/28/2021</a:t>
+              <a:t>2/23/2022</a:t>
             </a:fld>
             <a:endParaRPr lang="en-US"/>
           </a:p>
@@ -11795,7 +11792,7 @@
           <a:p>
             <a:fld id="{63A2874A-11ED-4E3A-9066-213A68F8CED7}" type="datetime1">
               <a:rPr lang="en-US" smtClean="0"/>
-              <a:t>11/28/2021</a:t>
+              <a:t>2/23/2022</a:t>
             </a:fld>
             <a:endParaRPr lang="en-US"/>
           </a:p>
@@ -12027,7 +12024,7 @@
           <a:p>
             <a:fld id="{F56AB2B8-B9CD-4E2D-B57D-FBF811708A7C}" type="datetime1">
               <a:rPr lang="en-US" smtClean="0"/>
-              <a:t>11/28/2021</a:t>
+              <a:t>2/23/2022</a:t>
             </a:fld>
             <a:endParaRPr lang="en-US"/>
           </a:p>
@@ -12394,7 +12391,7 @@
           <a:p>
             <a:fld id="{8EFFCC53-0033-47FF-BD73-44EEB44BECA1}" type="datetime1">
               <a:rPr lang="en-US" smtClean="0"/>
-              <a:t>11/28/2021</a:t>
+              <a:t>2/23/2022</a:t>
             </a:fld>
             <a:endParaRPr lang="en-US"/>
           </a:p>
@@ -12489,7 +12486,7 @@
           <a:p>
             <a:fld id="{31FD96E9-5753-4FE4-8B3B-6EDF2976D164}" type="datetime1">
               <a:rPr lang="en-US" smtClean="0"/>
-              <a:t>11/28/2021</a:t>
+              <a:t>2/23/2022</a:t>
             </a:fld>
             <a:endParaRPr lang="en-US"/>
           </a:p>
@@ -12712,7 +12709,7 @@
             <a:fld id="{B2F5E2FA-C428-4CE7-95B0-168D3259A5BB}" type="datetimeFigureOut">
               <a:rPr lang="en-US" smtClean="0"/>
               <a:pPr/>
-              <a:t>11/28/2021</a:t>
+              <a:t>2/23/2022</a:t>
             </a:fld>
             <a:endParaRPr lang="en-US"/>
           </a:p>
@@ -12883,7 +12880,7 @@
           <a:p>
             <a:fld id="{E7DE8145-F44B-4601-8F4B-591622DFBFC6}" type="datetime1">
               <a:rPr lang="en-US" smtClean="0"/>
-              <a:t>11/28/2021</a:t>
+              <a:t>2/23/2022</a:t>
             </a:fld>
             <a:endParaRPr lang="en-US"/>
           </a:p>
@@ -13160,7 +13157,7 @@
           <a:p>
             <a:fld id="{4AB128D8-6988-4047-8644-6A4CB4B64017}" type="datetime1">
               <a:rPr lang="en-US" smtClean="0"/>
-              <a:t>11/28/2021</a:t>
+              <a:t>2/23/2022</a:t>
             </a:fld>
             <a:endParaRPr lang="en-US"/>
           </a:p>
@@ -13413,7 +13410,7 @@
           <a:p>
             <a:fld id="{9206963F-132D-48FF-BB0D-81F5CBD5164B}" type="datetime1">
               <a:rPr lang="en-US" smtClean="0"/>
-              <a:t>11/28/2021</a:t>
+              <a:t>2/23/2022</a:t>
             </a:fld>
             <a:endParaRPr lang="en-US"/>
           </a:p>
@@ -13626,7 +13623,7 @@
           <a:p>
             <a:fld id="{871C7A76-B038-443C-ABE7-91057FC74AAF}" type="datetime1">
               <a:rPr lang="en-US" smtClean="0"/>
-              <a:t>11/28/2021</a:t>
+              <a:t>2/23/2022</a:t>
             </a:fld>
             <a:endParaRPr lang="en-US"/>
           </a:p>
@@ -14241,636 +14238,6 @@
   <p:clrMapOvr>
     <a:masterClrMapping/>
   </p:clrMapOvr>
-</p:sld>
-</file>
-
-<file path=ppt/slides/slide100.xml><?xml version="1.0" encoding="utf-8"?>
-<p:sld xmlns:a="http://schemas.openxmlformats.org/drawingml/2006/main" xmlns:r="http://schemas.openxmlformats.org/officeDocument/2006/relationships" xmlns:p="http://schemas.openxmlformats.org/presentationml/2006/main" showMasterPhAnim="0">
-  <p:cSld>
-    <p:spTree>
-      <p:nvGrpSpPr>
-        <p:cNvPr id="1" name=""/>
-        <p:cNvGrpSpPr/>
-        <p:nvPr/>
-      </p:nvGrpSpPr>
-      <p:grpSpPr>
-        <a:xfrm>
-          <a:off x="0" y="0"/>
-          <a:ext cx="0" cy="0"/>
-          <a:chOff x="0" y="0"/>
-          <a:chExt cx="0" cy="0"/>
-        </a:xfrm>
-      </p:grpSpPr>
-      <p:sp>
-        <p:nvSpPr>
-          <p:cNvPr id="29701" name="Rectangle 2"/>
-          <p:cNvSpPr>
-            <a:spLocks noGrp="1" noChangeArrowheads="1"/>
-          </p:cNvSpPr>
-          <p:nvPr>
-            <p:ph type="title"/>
-          </p:nvPr>
-        </p:nvSpPr>
-        <p:spPr/>
-        <p:txBody>
-          <a:bodyPr/>
-          <a:lstStyle/>
-          <a:p>
-            <a:r>
-              <a:rPr lang="en-US" dirty="0" smtClean="0"/>
-              <a:t>Professional Ethics</a:t>
-            </a:r>
-            <a:endParaRPr lang="en-US" dirty="0"/>
-          </a:p>
-        </p:txBody>
-      </p:sp>
-      <p:sp>
-        <p:nvSpPr>
-          <p:cNvPr id="296963" name="Rectangle 3"/>
-          <p:cNvSpPr>
-            <a:spLocks noGrp="1" noChangeArrowheads="1"/>
-          </p:cNvSpPr>
-          <p:nvPr>
-            <p:ph type="body" idx="1"/>
-          </p:nvPr>
-        </p:nvSpPr>
-        <p:spPr/>
-        <p:txBody>
-          <a:bodyPr>
-            <a:normAutofit lnSpcReduction="10000"/>
-          </a:bodyPr>
-          <a:lstStyle/>
-          <a:p>
-            <a:r>
-              <a:rPr lang="en-US" sz="1800" b="1" dirty="0"/>
-              <a:t>Recognizing the ACM and IEEE code of ethics for engineers:</a:t>
-            </a:r>
-          </a:p>
-          <a:p>
-            <a:r>
-              <a:rPr lang="en-US" sz="1800" dirty="0"/>
-              <a:t>PUBLIC - Software testers shall act consistently with the public interest.</a:t>
-            </a:r>
-          </a:p>
-          <a:p>
-            <a:r>
-              <a:rPr lang="en-US" sz="1800" dirty="0"/>
-              <a:t>CLIENT AND EMPLOYER - Software testers shall act in a manner that is in the best interests of their client and employer, consistent with the public interest.</a:t>
-            </a:r>
-          </a:p>
-          <a:p>
-            <a:r>
-              <a:rPr lang="en-US" sz="1800" dirty="0"/>
-              <a:t>PRODUCT - Software testers shall ensure that the deliverables they provide (on the products and systems they test) meet the highest professional standards possible.</a:t>
-            </a:r>
-          </a:p>
-          <a:p>
-            <a:r>
-              <a:rPr lang="en-US" sz="1800" dirty="0"/>
-              <a:t>JUDGMENT - Software testers shall maintain integrity and independence in their professional judgment.</a:t>
-            </a:r>
-          </a:p>
-          <a:p>
-            <a:r>
-              <a:rPr lang="en-US" sz="1800" dirty="0"/>
-              <a:t>MANAGEMENT - Software test managers and leaders shall subscribe to and promote an ethical approach to the management of software testing.</a:t>
-            </a:r>
-          </a:p>
-          <a:p>
-            <a:r>
-              <a:rPr lang="en-US" sz="1800" dirty="0"/>
-              <a:t>PROFESSION - Software testers shall advance the integrity and reputation of the profession consistent with the public interest.</a:t>
-            </a:r>
-          </a:p>
-          <a:p>
-            <a:r>
-              <a:rPr lang="en-US" sz="1800" dirty="0"/>
-              <a:t>COLLEAGUES - Software testers shall be fair to and supportive of their colleagues, and promote cooperation with software developers.</a:t>
-            </a:r>
-          </a:p>
-          <a:p>
-            <a:r>
-              <a:rPr lang="en-US" sz="1800" dirty="0"/>
-              <a:t>SELF - Software testers shall participate in lifelong learning regarding the practice of their profession and shall promote an ethical approach to the practice of the profession.</a:t>
-            </a:r>
-          </a:p>
-        </p:txBody>
-      </p:sp>
-      <p:sp>
-        <p:nvSpPr>
-          <p:cNvPr id="2" name="Slide Number Placeholder 1"/>
-          <p:cNvSpPr>
-            <a:spLocks noGrp="1"/>
-          </p:cNvSpPr>
-          <p:nvPr>
-            <p:ph type="sldNum" sz="quarter" idx="12"/>
-          </p:nvPr>
-        </p:nvSpPr>
-        <p:spPr/>
-        <p:txBody>
-          <a:bodyPr/>
-          <a:lstStyle/>
-          <a:p>
-            <a:fld id="{B543A0FD-1CA6-4228-86A2-78061B4844C8}" type="slidenum">
-              <a:rPr lang="en-US" smtClean="0"/>
-              <a:t>100</a:t>
-            </a:fld>
-            <a:endParaRPr lang="en-US"/>
-          </a:p>
-        </p:txBody>
-      </p:sp>
-    </p:spTree>
-    <p:extLst>
-      <p:ext uri="{BB962C8B-B14F-4D97-AF65-F5344CB8AC3E}">
-        <p14:creationId xmlns:p14="http://schemas.microsoft.com/office/powerpoint/2010/main" val="3444619957"/>
-      </p:ext>
-    </p:extLst>
-  </p:cSld>
-  <p:clrMapOvr>
-    <a:masterClrMapping/>
-  </p:clrMapOvr>
-  <mc:AlternateContent xmlns:mc="http://schemas.openxmlformats.org/markup-compatibility/2006" xmlns:p14="http://schemas.microsoft.com/office/powerpoint/2010/main">
-    <mc:Choice Requires="p14">
-      <p:transition spd="slow" p14:dur="2000"/>
-    </mc:Choice>
-    <mc:Fallback xmlns="">
-      <p:transition xmlns:p14="http://schemas.microsoft.com/office/powerpoint/2010/main" spd="slow"/>
-    </mc:Fallback>
-  </mc:AlternateContent>
-  <p:timing>
-    <p:tnLst>
-      <p:par>
-        <p:cTn id="1" dur="indefinite" restart="never" nodeType="tmRoot">
-          <p:childTnLst>
-            <p:seq concurrent="1" nextAc="seek">
-              <p:cTn id="2" dur="indefinite" nodeType="mainSeq">
-                <p:childTnLst>
-                  <p:par>
-                    <p:cTn id="3" fill="hold" nodeType="clickPar">
-                      <p:stCondLst>
-                        <p:cond delay="indefinite"/>
-                      </p:stCondLst>
-                      <p:childTnLst>
-                        <p:par>
-                          <p:cTn id="4" fill="hold" nodeType="withGroup">
-                            <p:stCondLst>
-                              <p:cond delay="0"/>
-                            </p:stCondLst>
-                            <p:childTnLst>
-                              <p:par>
-                                <p:cTn id="5" presetID="1" presetClass="entr" presetSubtype="0" fill="hold" grpId="0" nodeType="clickEffect">
-                                  <p:stCondLst>
-                                    <p:cond delay="0"/>
-                                  </p:stCondLst>
-                                  <p:childTnLst>
-                                    <p:set>
-                                      <p:cBhvr>
-                                        <p:cTn id="6" dur="1" fill="hold">
-                                          <p:stCondLst>
-                                            <p:cond delay="499"/>
-                                          </p:stCondLst>
-                                        </p:cTn>
-                                        <p:tgtEl>
-                                          <p:spTgt spid="296963">
-                                            <p:txEl>
-                                              <p:pRg st="0" end="0"/>
-                                            </p:txEl>
-                                          </p:spTgt>
-                                        </p:tgtEl>
-                                        <p:attrNameLst>
-                                          <p:attrName>style.visibility</p:attrName>
-                                        </p:attrNameLst>
-                                      </p:cBhvr>
-                                      <p:to>
-                                        <p:strVal val="visible"/>
-                                      </p:to>
-                                    </p:set>
-                                  </p:childTnLst>
-                                </p:cTn>
-                              </p:par>
-                            </p:childTnLst>
-                          </p:cTn>
-                        </p:par>
-                      </p:childTnLst>
-                    </p:cTn>
-                  </p:par>
-                  <p:par>
-                    <p:cTn id="7" fill="hold">
-                      <p:stCondLst>
-                        <p:cond delay="indefinite"/>
-                      </p:stCondLst>
-                      <p:childTnLst>
-                        <p:par>
-                          <p:cTn id="8" fill="hold">
-                            <p:stCondLst>
-                              <p:cond delay="0"/>
-                            </p:stCondLst>
-                            <p:childTnLst>
-                              <p:par>
-                                <p:cTn id="9" presetID="1" presetClass="entr" presetSubtype="0" fill="hold" grpId="0" nodeType="clickEffect">
-                                  <p:stCondLst>
-                                    <p:cond delay="0"/>
-                                  </p:stCondLst>
-                                  <p:childTnLst>
-                                    <p:set>
-                                      <p:cBhvr>
-                                        <p:cTn id="10" dur="1" fill="hold">
-                                          <p:stCondLst>
-                                            <p:cond delay="499"/>
-                                          </p:stCondLst>
-                                        </p:cTn>
-                                        <p:tgtEl>
-                                          <p:spTgt spid="296963">
-                                            <p:txEl>
-                                              <p:pRg st="1" end="1"/>
-                                            </p:txEl>
-                                          </p:spTgt>
-                                        </p:tgtEl>
-                                        <p:attrNameLst>
-                                          <p:attrName>style.visibility</p:attrName>
-                                        </p:attrNameLst>
-                                      </p:cBhvr>
-                                      <p:to>
-                                        <p:strVal val="visible"/>
-                                      </p:to>
-                                    </p:set>
-                                  </p:childTnLst>
-                                </p:cTn>
-                              </p:par>
-                            </p:childTnLst>
-                          </p:cTn>
-                        </p:par>
-                      </p:childTnLst>
-                    </p:cTn>
-                  </p:par>
-                  <p:par>
-                    <p:cTn id="11" fill="hold">
-                      <p:stCondLst>
-                        <p:cond delay="indefinite"/>
-                      </p:stCondLst>
-                      <p:childTnLst>
-                        <p:par>
-                          <p:cTn id="12" fill="hold">
-                            <p:stCondLst>
-                              <p:cond delay="0"/>
-                            </p:stCondLst>
-                            <p:childTnLst>
-                              <p:par>
-                                <p:cTn id="13" presetID="1" presetClass="entr" presetSubtype="0" fill="hold" grpId="0" nodeType="clickEffect">
-                                  <p:stCondLst>
-                                    <p:cond delay="0"/>
-                                  </p:stCondLst>
-                                  <p:childTnLst>
-                                    <p:set>
-                                      <p:cBhvr>
-                                        <p:cTn id="14" dur="1" fill="hold">
-                                          <p:stCondLst>
-                                            <p:cond delay="499"/>
-                                          </p:stCondLst>
-                                        </p:cTn>
-                                        <p:tgtEl>
-                                          <p:spTgt spid="296963">
-                                            <p:txEl>
-                                              <p:pRg st="2" end="2"/>
-                                            </p:txEl>
-                                          </p:spTgt>
-                                        </p:tgtEl>
-                                        <p:attrNameLst>
-                                          <p:attrName>style.visibility</p:attrName>
-                                        </p:attrNameLst>
-                                      </p:cBhvr>
-                                      <p:to>
-                                        <p:strVal val="visible"/>
-                                      </p:to>
-                                    </p:set>
-                                  </p:childTnLst>
-                                </p:cTn>
-                              </p:par>
-                            </p:childTnLst>
-                          </p:cTn>
-                        </p:par>
-                      </p:childTnLst>
-                    </p:cTn>
-                  </p:par>
-                  <p:par>
-                    <p:cTn id="15" fill="hold">
-                      <p:stCondLst>
-                        <p:cond delay="indefinite"/>
-                      </p:stCondLst>
-                      <p:childTnLst>
-                        <p:par>
-                          <p:cTn id="16" fill="hold">
-                            <p:stCondLst>
-                              <p:cond delay="0"/>
-                            </p:stCondLst>
-                            <p:childTnLst>
-                              <p:par>
-                                <p:cTn id="17" presetID="1" presetClass="entr" presetSubtype="0" fill="hold" grpId="0" nodeType="clickEffect">
-                                  <p:stCondLst>
-                                    <p:cond delay="0"/>
-                                  </p:stCondLst>
-                                  <p:childTnLst>
-                                    <p:set>
-                                      <p:cBhvr>
-                                        <p:cTn id="18" dur="1" fill="hold">
-                                          <p:stCondLst>
-                                            <p:cond delay="499"/>
-                                          </p:stCondLst>
-                                        </p:cTn>
-                                        <p:tgtEl>
-                                          <p:spTgt spid="296963">
-                                            <p:txEl>
-                                              <p:pRg st="3" end="3"/>
-                                            </p:txEl>
-                                          </p:spTgt>
-                                        </p:tgtEl>
-                                        <p:attrNameLst>
-                                          <p:attrName>style.visibility</p:attrName>
-                                        </p:attrNameLst>
-                                      </p:cBhvr>
-                                      <p:to>
-                                        <p:strVal val="visible"/>
-                                      </p:to>
-                                    </p:set>
-                                  </p:childTnLst>
-                                </p:cTn>
-                              </p:par>
-                            </p:childTnLst>
-                          </p:cTn>
-                        </p:par>
-                      </p:childTnLst>
-                    </p:cTn>
-                  </p:par>
-                  <p:par>
-                    <p:cTn id="19" fill="hold">
-                      <p:stCondLst>
-                        <p:cond delay="indefinite"/>
-                      </p:stCondLst>
-                      <p:childTnLst>
-                        <p:par>
-                          <p:cTn id="20" fill="hold">
-                            <p:stCondLst>
-                              <p:cond delay="0"/>
-                            </p:stCondLst>
-                            <p:childTnLst>
-                              <p:par>
-                                <p:cTn id="21" presetID="1" presetClass="entr" presetSubtype="0" fill="hold" grpId="0" nodeType="clickEffect">
-                                  <p:stCondLst>
-                                    <p:cond delay="0"/>
-                                  </p:stCondLst>
-                                  <p:childTnLst>
-                                    <p:set>
-                                      <p:cBhvr>
-                                        <p:cTn id="22" dur="1" fill="hold">
-                                          <p:stCondLst>
-                                            <p:cond delay="499"/>
-                                          </p:stCondLst>
-                                        </p:cTn>
-                                        <p:tgtEl>
-                                          <p:spTgt spid="296963">
-                                            <p:txEl>
-                                              <p:pRg st="4" end="4"/>
-                                            </p:txEl>
-                                          </p:spTgt>
-                                        </p:tgtEl>
-                                        <p:attrNameLst>
-                                          <p:attrName>style.visibility</p:attrName>
-                                        </p:attrNameLst>
-                                      </p:cBhvr>
-                                      <p:to>
-                                        <p:strVal val="visible"/>
-                                      </p:to>
-                                    </p:set>
-                                  </p:childTnLst>
-                                </p:cTn>
-                              </p:par>
-                            </p:childTnLst>
-                          </p:cTn>
-                        </p:par>
-                      </p:childTnLst>
-                    </p:cTn>
-                  </p:par>
-                  <p:par>
-                    <p:cTn id="23" fill="hold">
-                      <p:stCondLst>
-                        <p:cond delay="indefinite"/>
-                      </p:stCondLst>
-                      <p:childTnLst>
-                        <p:par>
-                          <p:cTn id="24" fill="hold">
-                            <p:stCondLst>
-                              <p:cond delay="0"/>
-                            </p:stCondLst>
-                            <p:childTnLst>
-                              <p:par>
-                                <p:cTn id="25" presetID="1" presetClass="entr" presetSubtype="0" fill="hold" grpId="0" nodeType="clickEffect">
-                                  <p:stCondLst>
-                                    <p:cond delay="0"/>
-                                  </p:stCondLst>
-                                  <p:childTnLst>
-                                    <p:set>
-                                      <p:cBhvr>
-                                        <p:cTn id="26" dur="1" fill="hold">
-                                          <p:stCondLst>
-                                            <p:cond delay="499"/>
-                                          </p:stCondLst>
-                                        </p:cTn>
-                                        <p:tgtEl>
-                                          <p:spTgt spid="296963">
-                                            <p:txEl>
-                                              <p:pRg st="5" end="5"/>
-                                            </p:txEl>
-                                          </p:spTgt>
-                                        </p:tgtEl>
-                                        <p:attrNameLst>
-                                          <p:attrName>style.visibility</p:attrName>
-                                        </p:attrNameLst>
-                                      </p:cBhvr>
-                                      <p:to>
-                                        <p:strVal val="visible"/>
-                                      </p:to>
-                                    </p:set>
-                                  </p:childTnLst>
-                                </p:cTn>
-                              </p:par>
-                            </p:childTnLst>
-                          </p:cTn>
-                        </p:par>
-                      </p:childTnLst>
-                    </p:cTn>
-                  </p:par>
-                  <p:par>
-                    <p:cTn id="27" fill="hold">
-                      <p:stCondLst>
-                        <p:cond delay="indefinite"/>
-                      </p:stCondLst>
-                      <p:childTnLst>
-                        <p:par>
-                          <p:cTn id="28" fill="hold">
-                            <p:stCondLst>
-                              <p:cond delay="0"/>
-                            </p:stCondLst>
-                            <p:childTnLst>
-                              <p:par>
-                                <p:cTn id="29" presetID="1" presetClass="entr" presetSubtype="0" fill="hold" grpId="0" nodeType="clickEffect">
-                                  <p:stCondLst>
-                                    <p:cond delay="0"/>
-                                  </p:stCondLst>
-                                  <p:childTnLst>
-                                    <p:set>
-                                      <p:cBhvr>
-                                        <p:cTn id="30" dur="1" fill="hold">
-                                          <p:stCondLst>
-                                            <p:cond delay="499"/>
-                                          </p:stCondLst>
-                                        </p:cTn>
-                                        <p:tgtEl>
-                                          <p:spTgt spid="296963">
-                                            <p:txEl>
-                                              <p:pRg st="6" end="6"/>
-                                            </p:txEl>
-                                          </p:spTgt>
-                                        </p:tgtEl>
-                                        <p:attrNameLst>
-                                          <p:attrName>style.visibility</p:attrName>
-                                        </p:attrNameLst>
-                                      </p:cBhvr>
-                                      <p:to>
-                                        <p:strVal val="visible"/>
-                                      </p:to>
-                                    </p:set>
-                                  </p:childTnLst>
-                                </p:cTn>
-                              </p:par>
-                            </p:childTnLst>
-                          </p:cTn>
-                        </p:par>
-                      </p:childTnLst>
-                    </p:cTn>
-                  </p:par>
-                  <p:par>
-                    <p:cTn id="31" fill="hold">
-                      <p:stCondLst>
-                        <p:cond delay="indefinite"/>
-                      </p:stCondLst>
-                      <p:childTnLst>
-                        <p:par>
-                          <p:cTn id="32" fill="hold">
-                            <p:stCondLst>
-                              <p:cond delay="0"/>
-                            </p:stCondLst>
-                            <p:childTnLst>
-                              <p:par>
-                                <p:cTn id="33" presetID="1" presetClass="entr" presetSubtype="0" fill="hold" grpId="0" nodeType="clickEffect">
-                                  <p:stCondLst>
-                                    <p:cond delay="0"/>
-                                  </p:stCondLst>
-                                  <p:childTnLst>
-                                    <p:set>
-                                      <p:cBhvr>
-                                        <p:cTn id="34" dur="1" fill="hold">
-                                          <p:stCondLst>
-                                            <p:cond delay="499"/>
-                                          </p:stCondLst>
-                                        </p:cTn>
-                                        <p:tgtEl>
-                                          <p:spTgt spid="296963">
-                                            <p:txEl>
-                                              <p:pRg st="7" end="7"/>
-                                            </p:txEl>
-                                          </p:spTgt>
-                                        </p:tgtEl>
-                                        <p:attrNameLst>
-                                          <p:attrName>style.visibility</p:attrName>
-                                        </p:attrNameLst>
-                                      </p:cBhvr>
-                                      <p:to>
-                                        <p:strVal val="visible"/>
-                                      </p:to>
-                                    </p:set>
-                                  </p:childTnLst>
-                                </p:cTn>
-                              </p:par>
-                            </p:childTnLst>
-                          </p:cTn>
-                        </p:par>
-                      </p:childTnLst>
-                    </p:cTn>
-                  </p:par>
-                  <p:par>
-                    <p:cTn id="35" fill="hold">
-                      <p:stCondLst>
-                        <p:cond delay="indefinite"/>
-                      </p:stCondLst>
-                      <p:childTnLst>
-                        <p:par>
-                          <p:cTn id="36" fill="hold">
-                            <p:stCondLst>
-                              <p:cond delay="0"/>
-                            </p:stCondLst>
-                            <p:childTnLst>
-                              <p:par>
-                                <p:cTn id="37" presetID="1" presetClass="entr" presetSubtype="0" fill="hold" grpId="0" nodeType="clickEffect">
-                                  <p:stCondLst>
-                                    <p:cond delay="0"/>
-                                  </p:stCondLst>
-                                  <p:childTnLst>
-                                    <p:set>
-                                      <p:cBhvr>
-                                        <p:cTn id="38" dur="1" fill="hold">
-                                          <p:stCondLst>
-                                            <p:cond delay="499"/>
-                                          </p:stCondLst>
-                                        </p:cTn>
-                                        <p:tgtEl>
-                                          <p:spTgt spid="296963">
-                                            <p:txEl>
-                                              <p:pRg st="8" end="8"/>
-                                            </p:txEl>
-                                          </p:spTgt>
-                                        </p:tgtEl>
-                                        <p:attrNameLst>
-                                          <p:attrName>style.visibility</p:attrName>
-                                        </p:attrNameLst>
-                                      </p:cBhvr>
-                                      <p:to>
-                                        <p:strVal val="visible"/>
-                                      </p:to>
-                                    </p:set>
-                                  </p:childTnLst>
-                                </p:cTn>
-                              </p:par>
-                            </p:childTnLst>
-                          </p:cTn>
-                        </p:par>
-                      </p:childTnLst>
-                    </p:cTn>
-                  </p:par>
-                </p:childTnLst>
-              </p:cTn>
-              <p:prevCondLst>
-                <p:cond evt="onPrev" delay="0">
-                  <p:tgtEl>
-                    <p:sldTgt/>
-                  </p:tgtEl>
-                </p:cond>
-              </p:prevCondLst>
-              <p:nextCondLst>
-                <p:cond evt="onNext" delay="0">
-                  <p:tgtEl>
-                    <p:sldTgt/>
-                  </p:tgtEl>
-                </p:cond>
-              </p:nextCondLst>
-            </p:seq>
-          </p:childTnLst>
-        </p:cTn>
-      </p:par>
-    </p:tnLst>
-    <p:bldLst>
-      <p:bldP spid="296963" grpId="0" build="p" autoUpdateAnimBg="0"/>
-    </p:bldLst>
-  </p:timing>
 </p:sld>
 </file>
 
@@ -16386,7 +15753,7 @@
           <a:noFill/>
           <a:extLst>
             <a:ext uri="{909E8E84-426E-40dd-AFC4-6F175D3DCCD1}">
-              <a14:hiddenFill xmlns:a14="http://schemas.microsoft.com/office/drawing/2010/main" xmlns="">
+              <a14:hiddenFill xmlns="" xmlns:a14="http://schemas.microsoft.com/office/drawing/2010/main">
                 <a:solidFill>
                   <a:srgbClr val="FFFFFF"/>
                 </a:solidFill>
@@ -18357,7 +17724,7 @@
           <a:noFill/>
           <a:extLst>
             <a:ext uri="{909E8E84-426E-40dd-AFC4-6F175D3DCCD1}">
-              <a14:hiddenFill xmlns:a14="http://schemas.microsoft.com/office/drawing/2010/main" xmlns="">
+              <a14:hiddenFill xmlns="" xmlns:a14="http://schemas.microsoft.com/office/drawing/2010/main">
                 <a:solidFill>
                   <a:srgbClr val="FFFFFF"/>
                 </a:solidFill>
@@ -18904,7 +18271,7 @@
           <a:noFill/>
           <a:extLst>
             <a:ext uri="{909E8E84-426E-40dd-AFC4-6F175D3DCCD1}">
-              <a14:hiddenFill xmlns:a14="http://schemas.microsoft.com/office/drawing/2010/main" xmlns="">
+              <a14:hiddenFill xmlns="" xmlns:a14="http://schemas.microsoft.com/office/drawing/2010/main">
                 <a:solidFill>
                   <a:srgbClr val="FFFFFF"/>
                 </a:solidFill>
@@ -19350,7 +18717,7 @@
           <a:noFill/>
           <a:extLst>
             <a:ext uri="{909E8E84-426E-40dd-AFC4-6F175D3DCCD1}">
-              <a14:hiddenFill xmlns:a14="http://schemas.microsoft.com/office/drawing/2010/main" xmlns="">
+              <a14:hiddenFill xmlns="" xmlns:a14="http://schemas.microsoft.com/office/drawing/2010/main">
                 <a:solidFill>
                   <a:srgbClr val="FFFFFF"/>
                 </a:solidFill>
@@ -19842,7 +19209,7 @@
           <a:noFill/>
           <a:extLst>
             <a:ext uri="{909E8E84-426E-40dd-AFC4-6F175D3DCCD1}">
-              <a14:hiddenFill xmlns:a14="http://schemas.microsoft.com/office/drawing/2010/main" xmlns="">
+              <a14:hiddenFill xmlns="" xmlns:a14="http://schemas.microsoft.com/office/drawing/2010/main">
                 <a:solidFill>
                   <a:srgbClr val="FFFFFF"/>
                 </a:solidFill>
@@ -20725,7 +20092,7 @@
           <a:noFill/>
           <a:extLst>
             <a:ext uri="{909E8E84-426E-40dd-AFC4-6F175D3DCCD1}">
-              <a14:hiddenFill xmlns:a14="http://schemas.microsoft.com/office/drawing/2010/main" xmlns="">
+              <a14:hiddenFill xmlns="" xmlns:a14="http://schemas.microsoft.com/office/drawing/2010/main">
                 <a:solidFill>
                   <a:srgbClr val="FFFFFF"/>
                 </a:solidFill>
@@ -21165,7 +20532,7 @@
           <a:noFill/>
           <a:extLst>
             <a:ext uri="{909E8E84-426E-40dd-AFC4-6F175D3DCCD1}">
-              <a14:hiddenFill xmlns:a14="http://schemas.microsoft.com/office/drawing/2010/main" xmlns="">
+              <a14:hiddenFill xmlns="" xmlns:a14="http://schemas.microsoft.com/office/drawing/2010/main">
                 <a:solidFill>
                   <a:srgbClr val="FFFFFF"/>
                 </a:solidFill>
@@ -21603,7 +20970,7 @@
           <a:noFill/>
           <a:extLst>
             <a:ext uri="{909E8E84-426E-40dd-AFC4-6F175D3DCCD1}">
-              <a14:hiddenFill xmlns:a14="http://schemas.microsoft.com/office/drawing/2010/main" xmlns="">
+              <a14:hiddenFill xmlns="" xmlns:a14="http://schemas.microsoft.com/office/drawing/2010/main">
                 <a:solidFill>
                   <a:srgbClr val="FFFFFF"/>
                 </a:solidFill>
@@ -22043,7 +21410,7 @@
           <a:noFill/>
           <a:extLst>
             <a:ext uri="{909E8E84-426E-40dd-AFC4-6F175D3DCCD1}">
-              <a14:hiddenFill xmlns:a14="http://schemas.microsoft.com/office/drawing/2010/main" xmlns="">
+              <a14:hiddenFill xmlns="" xmlns:a14="http://schemas.microsoft.com/office/drawing/2010/main">
                 <a:solidFill>
                   <a:srgbClr val="FFFFFF"/>
                 </a:solidFill>
@@ -26781,8 +26148,8 @@
         </p:nvSpPr>
         <p:spPr>
           <a:xfrm>
-            <a:off x="838200" y="1825625"/>
-            <a:ext cx="4651250" cy="4351338"/>
+            <a:off x="586596" y="1457775"/>
+            <a:ext cx="4902854" cy="4719188"/>
           </a:xfrm>
         </p:spPr>
         <p:txBody>
@@ -29640,7 +29007,7 @@
         </p:blipFill>
         <p:spPr>
           <a:xfrm>
-            <a:off x="8539459" y="1825625"/>
+            <a:off x="8065006" y="1668437"/>
             <a:ext cx="3186856" cy="3102991"/>
           </a:xfrm>
           <a:prstGeom prst="rect">
@@ -29795,7 +29162,7 @@
         </p:nvGrpSpPr>
         <p:grpSpPr>
           <a:xfrm>
-            <a:off x="9350358" y="2567497"/>
+            <a:off x="9320135" y="2429204"/>
             <a:ext cx="2417510" cy="2701442"/>
             <a:chOff x="8518714" y="1825625"/>
             <a:chExt cx="3256156" cy="3189249"/>
@@ -30246,25 +29613,6 @@
           </a:p>
         </p:txBody>
       </p:sp>
-      <p:sp>
-        <p:nvSpPr>
-          <p:cNvPr id="3" name="Content Placeholder 2"/>
-          <p:cNvSpPr>
-            <a:spLocks noGrp="1"/>
-          </p:cNvSpPr>
-          <p:nvPr>
-            <p:ph idx="1"/>
-          </p:nvPr>
-        </p:nvSpPr>
-        <p:spPr/>
-        <p:txBody>
-          <a:bodyPr/>
-          <a:lstStyle/>
-          <a:p>
-            <a:endParaRPr lang="en-US"/>
-          </a:p>
-        </p:txBody>
-      </p:sp>
       <p:pic>
         <p:nvPicPr>
           <p:cNvPr id="4" name="Picture 3"/>
@@ -30497,25 +29845,6 @@
           </a:p>
         </p:txBody>
       </p:sp>
-      <p:sp>
-        <p:nvSpPr>
-          <p:cNvPr id="3" name="Content Placeholder 2"/>
-          <p:cNvSpPr>
-            <a:spLocks noGrp="1"/>
-          </p:cNvSpPr>
-          <p:nvPr>
-            <p:ph idx="1"/>
-          </p:nvPr>
-        </p:nvSpPr>
-        <p:spPr/>
-        <p:txBody>
-          <a:bodyPr/>
-          <a:lstStyle/>
-          <a:p>
-            <a:endParaRPr lang="en-US"/>
-          </a:p>
-        </p:txBody>
-      </p:sp>
       <p:pic>
         <p:nvPicPr>
           <p:cNvPr id="4" name="Picture 3"/>
@@ -31512,7 +30841,7 @@
         </p:blipFill>
         <p:spPr>
           <a:xfrm>
-            <a:off x="9059455" y="2225003"/>
+            <a:off x="8936891" y="2216376"/>
             <a:ext cx="2800754" cy="2548166"/>
           </a:xfrm>
           <a:prstGeom prst="rect">
@@ -31839,7 +31168,7 @@
         </p:blipFill>
         <p:spPr>
           <a:xfrm>
-            <a:off x="9326880" y="1938528"/>
+            <a:off x="8904186" y="2007539"/>
             <a:ext cx="2688200" cy="2613320"/>
           </a:xfrm>
           <a:prstGeom prst="rect">
@@ -32240,8 +31569,8 @@
         </p:nvSpPr>
         <p:spPr>
           <a:xfrm>
-            <a:off x="838200" y="1606169"/>
-            <a:ext cx="10515600" cy="4351338"/>
+            <a:off x="612475" y="1440611"/>
+            <a:ext cx="10741325" cy="4516896"/>
           </a:xfrm>
         </p:spPr>
         <p:txBody>
@@ -32300,13 +31629,13 @@
           <p:nvPr>
             <p:extLst>
               <p:ext uri="{D42A27DB-BD31-4B8C-83A1-F6EECF244321}">
-                <p14:modId xmlns:p14="http://schemas.microsoft.com/office/powerpoint/2010/main" val="258422840"/>
+                <p14:modId xmlns:p14="http://schemas.microsoft.com/office/powerpoint/2010/main" val="3064767249"/>
               </p:ext>
             </p:extLst>
           </p:nvPr>
         </p:nvGraphicFramePr>
         <p:xfrm>
-          <a:off x="1164566" y="3003550"/>
+          <a:off x="1000664" y="2667120"/>
           <a:ext cx="9799608" cy="3167543"/>
         </p:xfrm>
         <a:graphic>
@@ -33073,73 +32402,33 @@
         </p:nvSpPr>
         <p:spPr/>
         <p:txBody>
-          <a:bodyPr/>
-          <a:lstStyle/>
-          <a:p>
-            <a:r>
-              <a:rPr lang="en-US" dirty="0" smtClean="0"/>
-              <a:t>Introducing a test tool into an organization</a:t>
-            </a:r>
-            <a:endParaRPr lang="en-US" dirty="0"/>
-          </a:p>
-        </p:txBody>
-      </p:sp>
-      <p:sp>
-        <p:nvSpPr>
-          <p:cNvPr id="3" name="Content Placeholder 2"/>
-          <p:cNvSpPr>
-            <a:spLocks noGrp="1"/>
-          </p:cNvSpPr>
-          <p:nvPr>
-            <p:ph idx="1"/>
-          </p:nvPr>
-        </p:nvSpPr>
-        <p:spPr/>
-        <p:txBody>
           <a:bodyPr>
             <a:normAutofit/>
           </a:bodyPr>
           <a:lstStyle/>
           <a:p>
             <a:r>
-              <a:rPr lang="en-US" dirty="0" smtClean="0"/>
-              <a:t>The main considerations in selecting a tool for an organization include:</a:t>
-            </a:r>
-          </a:p>
-          <a:p>
-            <a:pPr lvl="1"/>
-            <a:r>
-              <a:rPr lang="en-US" dirty="0" smtClean="0"/>
-              <a:t>Assess the organizational maturity, strengths and weaknesses</a:t>
-            </a:r>
-          </a:p>
-          <a:p>
-            <a:pPr lvl="1"/>
-            <a:r>
-              <a:rPr lang="en-US" dirty="0" smtClean="0"/>
-              <a:t>Evaluate against clear requirements and objective criteria</a:t>
-            </a:r>
-          </a:p>
-          <a:p>
-            <a:pPr lvl="1"/>
-            <a:r>
-              <a:rPr lang="en-US" dirty="0" smtClean="0"/>
-              <a:t>A proof of concept to test the required functionality and determine whether the product meets its objectives</a:t>
-            </a:r>
-          </a:p>
-          <a:p>
-            <a:pPr lvl="1"/>
-            <a:r>
-              <a:rPr lang="en-US" dirty="0" smtClean="0"/>
-              <a:t>Evaluation of the vendor (including training, support and commercial aspects)</a:t>
-            </a:r>
-          </a:p>
-          <a:p>
-            <a:pPr lvl="1"/>
-            <a:r>
-              <a:rPr lang="en-US" dirty="0" smtClean="0"/>
-              <a:t>Identification of internal requirements for coaching and mentoring in the use of the tool.</a:t>
-            </a:r>
+              <a:rPr lang="en-US" sz="5400" dirty="0"/>
+              <a:t>Interview Questions and Answers</a:t>
+            </a:r>
+          </a:p>
+        </p:txBody>
+      </p:sp>
+      <p:sp>
+        <p:nvSpPr>
+          <p:cNvPr id="3" name="Text Placeholder 2"/>
+          <p:cNvSpPr>
+            <a:spLocks noGrp="1"/>
+          </p:cNvSpPr>
+          <p:nvPr>
+            <p:ph type="body" idx="1"/>
+          </p:nvPr>
+        </p:nvSpPr>
+        <p:spPr/>
+        <p:txBody>
+          <a:bodyPr/>
+          <a:lstStyle/>
+          <a:p>
             <a:endParaRPr lang="en-US" dirty="0"/>
           </a:p>
         </p:txBody>
@@ -33159,19 +32448,18 @@
           <a:bodyPr/>
           <a:lstStyle/>
           <a:p>
-            <a:fld id="{B8DACC02-A2BD-4578-8E03-6D891060A695}" type="slidenum">
+            <a:fld id="{B543A0FD-1CA6-4228-86A2-78061B4844C8}" type="slidenum">
               <a:rPr lang="en-US" smtClean="0"/>
-              <a:pPr/>
               <a:t>84</a:t>
             </a:fld>
-            <a:endParaRPr lang="en-US" dirty="0"/>
+            <a:endParaRPr lang="en-US"/>
           </a:p>
         </p:txBody>
       </p:sp>
     </p:spTree>
     <p:extLst>
       <p:ext uri="{BB962C8B-B14F-4D97-AF65-F5344CB8AC3E}">
-        <p14:creationId xmlns:p14="http://schemas.microsoft.com/office/powerpoint/2010/main" val="848675653"/>
+        <p14:creationId xmlns:p14="http://schemas.microsoft.com/office/powerpoint/2010/main" val="3015657725"/>
       </p:ext>
     </p:extLst>
   </p:cSld>
@@ -33200,9 +32488,9 @@
       </p:grpSpPr>
       <p:sp>
         <p:nvSpPr>
-          <p:cNvPr id="2" name="Title 1"/>
-          <p:cNvSpPr>
-            <a:spLocks noGrp="1"/>
+          <p:cNvPr id="17410" name="Rectangle 2"/>
+          <p:cNvSpPr>
+            <a:spLocks noGrp="1" noChangeArrowheads="1"/>
           </p:cNvSpPr>
           <p:nvPr>
             <p:ph type="title"/>
@@ -33215,20 +32503,19 @@
           <a:p>
             <a:r>
               <a:rPr lang="en-US" dirty="0" smtClean="0"/>
-              <a:t>Introducing a test tool into an organization</a:t>
-            </a:r>
-            <a:endParaRPr lang="en-US" dirty="0"/>
-          </a:p>
-        </p:txBody>
-      </p:sp>
-      <p:sp>
-        <p:nvSpPr>
-          <p:cNvPr id="3" name="Content Placeholder 2"/>
-          <p:cNvSpPr>
-            <a:spLocks noGrp="1"/>
-          </p:cNvSpPr>
-          <p:nvPr>
-            <p:ph idx="1"/>
+              <a:t>Fundamental Questions in Testing</a:t>
+            </a:r>
+          </a:p>
+        </p:txBody>
+      </p:sp>
+      <p:sp>
+        <p:nvSpPr>
+          <p:cNvPr id="18435" name="Rectangle 3"/>
+          <p:cNvSpPr>
+            <a:spLocks noGrp="1" noChangeArrowheads="1"/>
+          </p:cNvSpPr>
+          <p:nvPr>
+            <p:ph type="body" idx="1"/>
           </p:nvPr>
         </p:nvSpPr>
         <p:spPr/>
@@ -33240,35 +32527,78 @@
           <a:p>
             <a:r>
               <a:rPr lang="en-US" dirty="0" smtClean="0"/>
-              <a:t>Introducing the selected tool into an organization starts with a pilot project, with the following objectives</a:t>
+              <a:t>When can we stop testing?</a:t>
             </a:r>
           </a:p>
           <a:p>
             <a:pPr lvl="1"/>
             <a:r>
               <a:rPr lang="en-US" dirty="0" smtClean="0"/>
-              <a:t>Learn more detail about the tool.</a:t>
+              <a:t>Test coverage</a:t>
+            </a:r>
+          </a:p>
+          <a:p>
+            <a:r>
+              <a:rPr lang="en-US" dirty="0" smtClean="0"/>
+              <a:t>What should we test? </a:t>
+            </a:r>
+          </a:p>
+          <a:p>
+            <a:pPr lvl="1">
+              <a:buSzPct val="100000"/>
+              <a:buFont typeface="Wingdings" charset="2"/>
+              <a:buChar char="ü"/>
+            </a:pPr>
+            <a:r>
+              <a:rPr lang="en-US" dirty="0" smtClean="0"/>
+              <a:t>Test generation</a:t>
+            </a:r>
+          </a:p>
+          <a:p>
+            <a:r>
+              <a:rPr lang="en-US" dirty="0" smtClean="0"/>
+              <a:t>Is the observed output correct?</a:t>
+            </a:r>
+          </a:p>
+          <a:p>
+            <a:pPr lvl="1">
+              <a:buSzPct val="100000"/>
+              <a:buFont typeface="Wingdings" charset="2"/>
+              <a:buChar char="ü"/>
+            </a:pPr>
+            <a:r>
+              <a:rPr lang="en-US" dirty="0" smtClean="0"/>
+              <a:t>Test oracle</a:t>
+            </a:r>
+          </a:p>
+          <a:p>
+            <a:r>
+              <a:rPr lang="en-US" dirty="0" smtClean="0"/>
+              <a:t>How well did we do?</a:t>
             </a:r>
           </a:p>
           <a:p>
             <a:pPr lvl="1"/>
             <a:r>
               <a:rPr lang="en-US" dirty="0" smtClean="0"/>
-              <a:t>Evaluate how the tool fits with existing processes and practices, and determine what would need to change.</a:t>
-            </a:r>
-          </a:p>
-          <a:p>
-            <a:pPr lvl="1"/>
-            <a:r>
-              <a:rPr lang="en-US" dirty="0" smtClean="0"/>
-              <a:t>Decide on standard ways of using and maintaining the tool and the test.</a:t>
-            </a:r>
-          </a:p>
-          <a:p>
-            <a:pPr lvl="1"/>
-            <a:r>
-              <a:rPr lang="en-US" dirty="0" smtClean="0"/>
-              <a:t>Assess whether the benefits will be achieved at reasonable cost</a:t>
+              <a:t>Test efficiency</a:t>
+            </a:r>
+          </a:p>
+          <a:p>
+            <a:r>
+              <a:rPr lang="en-US" dirty="0" smtClean="0"/>
+              <a:t>Who should test your program?</a:t>
+            </a:r>
+          </a:p>
+          <a:p>
+            <a:pPr lvl="1">
+              <a:buSzPct val="100000"/>
+              <a:buFont typeface="Wingdings" charset="2"/>
+              <a:buChar char="ü"/>
+            </a:pPr>
+            <a:r>
+              <a:rPr lang="en-US" dirty="0" smtClean="0"/>
+              <a:t>Independent V&amp;V</a:t>
             </a:r>
             <a:endParaRPr lang="en-US" dirty="0"/>
           </a:p>
@@ -33276,7 +32606,7 @@
       </p:sp>
       <p:sp>
         <p:nvSpPr>
-          <p:cNvPr id="4" name="Slide Number Placeholder 3"/>
+          <p:cNvPr id="2" name="Slide Number Placeholder 1"/>
           <p:cNvSpPr>
             <a:spLocks noGrp="1"/>
           </p:cNvSpPr>
@@ -33289,25 +32619,31 @@
           <a:bodyPr/>
           <a:lstStyle/>
           <a:p>
-            <a:fld id="{B8DACC02-A2BD-4578-8E03-6D891060A695}" type="slidenum">
+            <a:fld id="{B543A0FD-1CA6-4228-86A2-78061B4844C8}" type="slidenum">
               <a:rPr lang="en-US" smtClean="0"/>
-              <a:pPr/>
               <a:t>85</a:t>
             </a:fld>
-            <a:endParaRPr lang="en-US" dirty="0"/>
+            <a:endParaRPr lang="en-US"/>
           </a:p>
         </p:txBody>
       </p:sp>
     </p:spTree>
     <p:extLst>
       <p:ext uri="{BB962C8B-B14F-4D97-AF65-F5344CB8AC3E}">
-        <p14:creationId xmlns:p14="http://schemas.microsoft.com/office/powerpoint/2010/main" val="3269720201"/>
+        <p14:creationId xmlns:p14="http://schemas.microsoft.com/office/powerpoint/2010/main" val="924182453"/>
       </p:ext>
     </p:extLst>
   </p:cSld>
   <p:clrMapOvr>
     <a:masterClrMapping/>
   </p:clrMapOvr>
+  <p:timing>
+    <p:tnLst>
+      <p:par>
+        <p:cTn id="1" dur="indefinite" restart="never" nodeType="tmRoot"/>
+      </p:par>
+    </p:tnLst>
+  </p:timing>
 </p:sld>
 </file>
 
@@ -33344,21 +32680,92 @@
           <a:lstStyle/>
           <a:p>
             <a:r>
-              <a:rPr lang="en-US" dirty="0" smtClean="0"/>
-              <a:t>Introducing a test tool into an organization</a:t>
-            </a:r>
+              <a:rPr lang="en-US" dirty="0"/>
+              <a:t>Interview Questions </a:t>
+            </a:r>
+          </a:p>
+        </p:txBody>
+      </p:sp>
+      <p:sp>
+        <p:nvSpPr>
+          <p:cNvPr id="3" name="Content Placeholder 2"/>
+          <p:cNvSpPr>
+            <a:spLocks noGrp="1"/>
+          </p:cNvSpPr>
+          <p:nvPr>
+            <p:ph idx="1"/>
+          </p:nvPr>
+        </p:nvSpPr>
+        <p:spPr/>
+        <p:txBody>
+          <a:bodyPr/>
+          <a:lstStyle/>
+          <a:p>
+            <a:r>
+              <a:rPr lang="en-US" sz="2000" dirty="0"/>
+              <a:t>What is difference between QA, QC and Software Testing?</a:t>
+            </a:r>
+          </a:p>
+          <a:p>
+            <a:r>
+              <a:rPr lang="en-US" sz="2000" dirty="0"/>
+              <a:t>What is verification and validation?</a:t>
+            </a:r>
+          </a:p>
+          <a:p>
+            <a:r>
+              <a:rPr lang="en-US" sz="2000" dirty="0"/>
+              <a:t>Explain Branch Coverage and Decision Coverage.</a:t>
+            </a:r>
+          </a:p>
+          <a:p>
+            <a:r>
+              <a:rPr lang="en-US" sz="2000" dirty="0"/>
+              <a:t>What is pair-wise programming and why is it relevant to software testing?</a:t>
+            </a:r>
+          </a:p>
+          <a:p>
+            <a:pPr lvl="0"/>
+            <a:r>
+              <a:rPr lang="en-US" sz="2000" dirty="0"/>
+              <a:t>Why is testing software using concurrent programming hard? What are races and why do they affect system testing.</a:t>
+            </a:r>
+          </a:p>
+          <a:p>
+            <a:r>
+              <a:rPr lang="en-US" sz="2000" dirty="0"/>
+              <a:t>Phase in detecting defect: During a software development project two similar requirements defects were detected. One was detected in the requirements phase, and the other during the implementation phase. </a:t>
+            </a:r>
+          </a:p>
+          <a:p>
+            <a:pPr lvl="0"/>
+            <a:r>
+              <a:rPr lang="en-US" sz="2000" dirty="0"/>
+              <a:t>Why do we measure defect rates and what can they tell us? </a:t>
+            </a:r>
+          </a:p>
+          <a:p>
+            <a:r>
+              <a:rPr lang="en-US" sz="2000" dirty="0"/>
+              <a:t>What is Static Analysis?</a:t>
+            </a:r>
+          </a:p>
+          <a:p>
+            <a:endParaRPr lang="en-US" sz="2000" dirty="0"/>
+          </a:p>
+          <a:p>
             <a:endParaRPr lang="en-US" dirty="0"/>
           </a:p>
         </p:txBody>
       </p:sp>
       <p:sp>
         <p:nvSpPr>
-          <p:cNvPr id="3" name="Content Placeholder 2"/>
-          <p:cNvSpPr>
-            <a:spLocks noGrp="1"/>
-          </p:cNvSpPr>
-          <p:nvPr>
-            <p:ph idx="1"/>
+          <p:cNvPr id="4" name="Slide Number Placeholder 3"/>
+          <p:cNvSpPr>
+            <a:spLocks noGrp="1"/>
+          </p:cNvSpPr>
+          <p:nvPr>
+            <p:ph type="sldNum" sz="quarter" idx="12"/>
           </p:nvPr>
         </p:nvSpPr>
         <p:spPr/>
@@ -33366,120 +32773,18 @@
           <a:bodyPr/>
           <a:lstStyle/>
           <a:p>
-            <a:r>
-              <a:rPr lang="en-US" i="1" dirty="0"/>
-              <a:t>Success factors </a:t>
-            </a:r>
-            <a:r>
-              <a:rPr lang="en-US" dirty="0"/>
-              <a:t>for the deployment of the tool within an organization include:</a:t>
-            </a:r>
-          </a:p>
-          <a:p>
-            <a:pPr lvl="1"/>
-            <a:r>
-              <a:rPr lang="en-US" dirty="0" smtClean="0"/>
-              <a:t>Roll </a:t>
-            </a:r>
-            <a:r>
-              <a:rPr lang="en-US" dirty="0"/>
-              <a:t>out the tool to the rest of the organization incrementally.</a:t>
-            </a:r>
-          </a:p>
-          <a:p>
-            <a:pPr lvl="1"/>
-            <a:r>
-              <a:rPr lang="en-US" dirty="0" smtClean="0"/>
-              <a:t>Adapt and </a:t>
-            </a:r>
-            <a:r>
-              <a:rPr lang="en-US" dirty="0"/>
-              <a:t>improve processes to fit with the use of the tool.</a:t>
-            </a:r>
-          </a:p>
-          <a:p>
-            <a:pPr lvl="1"/>
-            <a:r>
-              <a:rPr lang="en-US" dirty="0" smtClean="0"/>
-              <a:t>Provide </a:t>
-            </a:r>
-            <a:r>
-              <a:rPr lang="en-US" dirty="0"/>
-              <a:t>training and coaching/mentoring for new users.</a:t>
-            </a:r>
-          </a:p>
-          <a:p>
-            <a:pPr lvl="1"/>
-            <a:r>
-              <a:rPr lang="en-US" dirty="0" smtClean="0"/>
-              <a:t>Define usage </a:t>
-            </a:r>
-            <a:r>
-              <a:rPr lang="en-US" dirty="0"/>
-              <a:t>guidelines.</a:t>
-            </a:r>
-          </a:p>
-          <a:p>
-            <a:pPr lvl="1"/>
-            <a:r>
-              <a:rPr lang="en-US" dirty="0" smtClean="0"/>
-              <a:t>Implement </a:t>
-            </a:r>
-            <a:r>
-              <a:rPr lang="en-US" dirty="0"/>
-              <a:t>a way to learn lessons from tool use.</a:t>
-            </a:r>
-          </a:p>
-          <a:p>
-            <a:pPr lvl="1"/>
-            <a:r>
-              <a:rPr lang="en-US" dirty="0" smtClean="0"/>
-              <a:t>Monitor the </a:t>
-            </a:r>
-            <a:r>
-              <a:rPr lang="en-US" dirty="0"/>
-              <a:t>tool use and </a:t>
-            </a:r>
-            <a:r>
-              <a:rPr lang="en-US"/>
-              <a:t>benefits</a:t>
-            </a:r>
-            <a:r>
+            <a:fld id="{B543A0FD-1CA6-4228-86A2-78061B4844C8}" type="slidenum">
               <a:rPr lang="en-US" smtClean="0"/>
-              <a:t>.</a:t>
-            </a:r>
-            <a:endParaRPr lang="en-US" dirty="0"/>
-          </a:p>
-        </p:txBody>
-      </p:sp>
-      <p:sp>
-        <p:nvSpPr>
-          <p:cNvPr id="4" name="Slide Number Placeholder 3"/>
-          <p:cNvSpPr>
-            <a:spLocks noGrp="1"/>
-          </p:cNvSpPr>
-          <p:nvPr>
-            <p:ph type="sldNum" sz="quarter" idx="12"/>
-          </p:nvPr>
-        </p:nvSpPr>
-        <p:spPr/>
-        <p:txBody>
-          <a:bodyPr/>
-          <a:lstStyle/>
-          <a:p>
-            <a:fld id="{B8DACC02-A2BD-4578-8E03-6D891060A695}" type="slidenum">
-              <a:rPr lang="en-US" smtClean="0"/>
-              <a:pPr/>
               <a:t>86</a:t>
             </a:fld>
-            <a:endParaRPr lang="en-US" dirty="0"/>
+            <a:endParaRPr lang="en-US"/>
           </a:p>
         </p:txBody>
       </p:sp>
     </p:spTree>
     <p:extLst>
       <p:ext uri="{BB962C8B-B14F-4D97-AF65-F5344CB8AC3E}">
-        <p14:creationId xmlns:p14="http://schemas.microsoft.com/office/powerpoint/2010/main" val="1757631009"/>
+        <p14:creationId xmlns:p14="http://schemas.microsoft.com/office/powerpoint/2010/main" val="400765021"/>
       </p:ext>
     </p:extLst>
   </p:cSld>
@@ -33524,28 +32829,74 @@
           <a:lstStyle/>
           <a:p>
             <a:r>
-              <a:rPr lang="en-US" sz="5400" dirty="0"/>
-              <a:t>Interview Questions and Answers</a:t>
-            </a:r>
-          </a:p>
-        </p:txBody>
-      </p:sp>
-      <p:sp>
-        <p:nvSpPr>
-          <p:cNvPr id="3" name="Text Placeholder 2"/>
-          <p:cNvSpPr>
-            <a:spLocks noGrp="1"/>
-          </p:cNvSpPr>
-          <p:nvPr>
-            <p:ph type="body" idx="1"/>
+              <a:rPr lang="en-US" sz="3200" dirty="0"/>
+              <a:t>What is difference between QA, QC and Software Testing?</a:t>
+            </a:r>
+          </a:p>
+        </p:txBody>
+      </p:sp>
+      <p:sp>
+        <p:nvSpPr>
+          <p:cNvPr id="3" name="Content Placeholder 2"/>
+          <p:cNvSpPr>
+            <a:spLocks noGrp="1"/>
+          </p:cNvSpPr>
+          <p:nvPr>
+            <p:ph idx="1"/>
           </p:nvPr>
         </p:nvSpPr>
         <p:spPr/>
         <p:txBody>
-          <a:bodyPr/>
-          <a:lstStyle/>
-          <a:p>
-            <a:endParaRPr lang="en-US" dirty="0"/>
+          <a:bodyPr>
+            <a:normAutofit/>
+          </a:bodyPr>
+          <a:lstStyle/>
+          <a:p>
+            <a:r>
+              <a:rPr lang="en-US" sz="2400" b="1" dirty="0" smtClean="0"/>
+              <a:t>Quality Assurance (QA)</a:t>
+            </a:r>
+            <a:r>
+              <a:rPr lang="en-US" sz="2400" dirty="0" smtClean="0"/>
+              <a:t>: QA refers to the planned and systematic way of monitoring the quality of process which is followed to produce a quality product. QA tracks the outcomes and adjusts the process to meet the expectation. QA is </a:t>
+            </a:r>
+            <a:r>
+              <a:rPr lang="en-US" sz="2400" b="1" dirty="0" smtClean="0"/>
+              <a:t>not</a:t>
+            </a:r>
+            <a:r>
+              <a:rPr lang="en-US" sz="2400" dirty="0" smtClean="0"/>
+              <a:t> </a:t>
+            </a:r>
+            <a:r>
+              <a:rPr lang="en-US" sz="2400" u="sng" dirty="0" smtClean="0"/>
+              <a:t>just</a:t>
+            </a:r>
+            <a:r>
+              <a:rPr lang="en-US" sz="2400" dirty="0" smtClean="0"/>
+              <a:t> testing.</a:t>
+            </a:r>
+          </a:p>
+          <a:p>
+            <a:r>
+              <a:rPr lang="en-US" sz="2400" b="1" dirty="0" smtClean="0"/>
+              <a:t>Quality Control (QC)</a:t>
+            </a:r>
+            <a:r>
+              <a:rPr lang="en-US" sz="2400" dirty="0" smtClean="0"/>
+              <a:t>: Concern with the quality of the product. QC finds the defects and suggests improvements. The process set by QA is implemented by QC. The QC is the responsibility of the tester.</a:t>
+            </a:r>
+          </a:p>
+          <a:p>
+            <a:r>
+              <a:rPr lang="en-US" sz="2400" b="1" dirty="0" smtClean="0"/>
+              <a:t>Software Testing</a:t>
+            </a:r>
+            <a:r>
+              <a:rPr lang="en-US" sz="2400" dirty="0" smtClean="0"/>
+              <a:t>: is the process of ensuring that product which is developed by the developer meets the user requirement. The motive to perform testing is to find the bugs and make sure that they get fixed.</a:t>
+            </a:r>
+            <a:endParaRPr lang="en-US" sz="2400" dirty="0"/>
           </a:p>
         </p:txBody>
       </p:sp>
@@ -33575,7 +32926,7 @@
     </p:spTree>
     <p:extLst>
       <p:ext uri="{BB962C8B-B14F-4D97-AF65-F5344CB8AC3E}">
-        <p14:creationId xmlns:p14="http://schemas.microsoft.com/office/powerpoint/2010/main" val="3015657725"/>
+        <p14:creationId xmlns:p14="http://schemas.microsoft.com/office/powerpoint/2010/main" val="945040408"/>
       </p:ext>
     </p:extLst>
   </p:cSld>
@@ -33604,9 +32955,9 @@
       </p:grpSpPr>
       <p:sp>
         <p:nvSpPr>
-          <p:cNvPr id="17410" name="Rectangle 2"/>
-          <p:cNvSpPr>
-            <a:spLocks noGrp="1" noChangeArrowheads="1"/>
+          <p:cNvPr id="2" name="Title 1"/>
+          <p:cNvSpPr>
+            <a:spLocks noGrp="1"/>
           </p:cNvSpPr>
           <p:nvPr>
             <p:ph type="title"/>
@@ -33619,110 +32970,77 @@
           <a:p>
             <a:r>
               <a:rPr lang="en-US" dirty="0" smtClean="0"/>
-              <a:t>Fundamental Questions in Testing</a:t>
-            </a:r>
-          </a:p>
-        </p:txBody>
-      </p:sp>
-      <p:sp>
-        <p:nvSpPr>
-          <p:cNvPr id="18435" name="Rectangle 3"/>
-          <p:cNvSpPr>
-            <a:spLocks noGrp="1" noChangeArrowheads="1"/>
-          </p:cNvSpPr>
-          <p:nvPr>
-            <p:ph type="body" idx="1"/>
+              <a:t>Verification And Validation</a:t>
+            </a:r>
+            <a:endParaRPr lang="en-US" dirty="0"/>
+          </a:p>
+        </p:txBody>
+      </p:sp>
+      <p:sp>
+        <p:nvSpPr>
+          <p:cNvPr id="3" name="Content Placeholder 2"/>
+          <p:cNvSpPr>
+            <a:spLocks noGrp="1"/>
+          </p:cNvSpPr>
+          <p:nvPr>
+            <p:ph idx="1"/>
           </p:nvPr>
         </p:nvSpPr>
         <p:spPr/>
         <p:txBody>
-          <a:bodyPr>
-            <a:normAutofit/>
-          </a:bodyPr>
-          <a:lstStyle/>
-          <a:p>
-            <a:r>
-              <a:rPr lang="en-US" dirty="0" smtClean="0"/>
-              <a:t>When can we stop testing?</a:t>
-            </a:r>
-          </a:p>
-          <a:p>
-            <a:pPr lvl="1"/>
-            <a:r>
-              <a:rPr lang="en-US" dirty="0" smtClean="0"/>
-              <a:t>Test coverage</a:t>
-            </a:r>
-          </a:p>
-          <a:p>
-            <a:r>
-              <a:rPr lang="en-US" dirty="0" smtClean="0"/>
-              <a:t>What should we test? </a:t>
-            </a:r>
-          </a:p>
-          <a:p>
-            <a:pPr lvl="1">
-              <a:buSzPct val="100000"/>
-              <a:buFont typeface="Wingdings" charset="2"/>
-              <a:buChar char="ü"/>
+          <a:bodyPr/>
+          <a:lstStyle/>
+          <a:p>
+            <a:pPr marL="0" indent="0">
+              <a:buNone/>
             </a:pPr>
             <a:r>
               <a:rPr lang="en-US" dirty="0" smtClean="0"/>
-              <a:t>Test generation</a:t>
-            </a:r>
-          </a:p>
-          <a:p>
-            <a:r>
-              <a:rPr lang="en-US" dirty="0" smtClean="0"/>
-              <a:t>Is the observed output correct?</a:t>
-            </a:r>
-          </a:p>
-          <a:p>
-            <a:pPr lvl="1">
-              <a:buSzPct val="100000"/>
-              <a:buFont typeface="Wingdings" charset="2"/>
-              <a:buChar char="ü"/>
-            </a:pPr>
-            <a:r>
-              <a:rPr lang="en-US" dirty="0" smtClean="0"/>
-              <a:t>Test oracle</a:t>
-            </a:r>
-          </a:p>
-          <a:p>
-            <a:r>
-              <a:rPr lang="en-US" dirty="0" smtClean="0"/>
-              <a:t>How well did we do?</a:t>
-            </a:r>
-          </a:p>
-          <a:p>
-            <a:pPr lvl="1"/>
-            <a:r>
-              <a:rPr lang="en-US" dirty="0" smtClean="0"/>
-              <a:t>Test efficiency</a:t>
-            </a:r>
-          </a:p>
-          <a:p>
-            <a:r>
-              <a:rPr lang="en-US" dirty="0" smtClean="0"/>
-              <a:t>Who should test your program?</a:t>
-            </a:r>
-          </a:p>
-          <a:p>
-            <a:pPr lvl="1">
-              <a:buSzPct val="100000"/>
-              <a:buFont typeface="Wingdings" charset="2"/>
-              <a:buChar char="ü"/>
-            </a:pPr>
-            <a:r>
-              <a:rPr lang="en-US" dirty="0" smtClean="0"/>
-              <a:t>Independent V&amp;V</a:t>
+              <a:t>What </a:t>
+            </a:r>
+            <a:r>
+              <a:rPr lang="en-US" dirty="0"/>
+              <a:t>is verification and validation?</a:t>
+            </a:r>
+          </a:p>
+          <a:p>
+            <a:r>
+              <a:rPr lang="en-US" b="1" dirty="0"/>
+              <a:t>Verification:</a:t>
+            </a:r>
+            <a:r>
+              <a:rPr lang="en-US" dirty="0"/>
+              <a:t> process of evaluating work-products of a development phase to determine whether they meet the specified requirements for that phase</a:t>
+            </a:r>
+            <a:r>
+              <a:rPr lang="en-US" dirty="0" smtClean="0"/>
+              <a:t>.</a:t>
             </a:r>
             <a:endParaRPr lang="en-US" dirty="0"/>
           </a:p>
-        </p:txBody>
-      </p:sp>
-      <p:sp>
-        <p:nvSpPr>
-          <p:cNvPr id="2" name="Slide Number Placeholder 1"/>
+          <a:p>
+            <a:r>
+              <a:rPr lang="en-US" b="1" dirty="0"/>
+              <a:t>Validation:</a:t>
+            </a:r>
+            <a:r>
+              <a:rPr lang="en-US" dirty="0"/>
+              <a:t> process of evaluating software during or at the end of the development process to determine whether it </a:t>
+            </a:r>
+            <a:r>
+              <a:rPr lang="en-US" dirty="0" smtClean="0"/>
+              <a:t>meets specified </a:t>
+            </a:r>
+            <a:r>
+              <a:rPr lang="en-US" dirty="0"/>
+              <a:t>requirements.</a:t>
+            </a:r>
+          </a:p>
+        </p:txBody>
+      </p:sp>
+      <p:sp>
+        <p:nvSpPr>
+          <p:cNvPr id="4" name="Slide Number Placeholder 3"/>
           <p:cNvSpPr>
             <a:spLocks noGrp="1"/>
           </p:cNvSpPr>
@@ -33746,20 +33064,13 @@
     </p:spTree>
     <p:extLst>
       <p:ext uri="{BB962C8B-B14F-4D97-AF65-F5344CB8AC3E}">
-        <p14:creationId xmlns:p14="http://schemas.microsoft.com/office/powerpoint/2010/main" val="924182453"/>
+        <p14:creationId xmlns:p14="http://schemas.microsoft.com/office/powerpoint/2010/main" val="1777340847"/>
       </p:ext>
     </p:extLst>
   </p:cSld>
   <p:clrMapOvr>
     <a:masterClrMapping/>
   </p:clrMapOvr>
-  <p:timing>
-    <p:tnLst>
-      <p:par>
-        <p:cTn id="1" dur="indefinite" restart="never" nodeType="tmRoot"/>
-      </p:par>
-    </p:tnLst>
-  </p:timing>
 </p:sld>
 </file>
 
@@ -33796,81 +33107,141 @@
           <a:lstStyle/>
           <a:p>
             <a:r>
+              <a:rPr lang="en-US" sz="3600" dirty="0"/>
+              <a:t>Branch Coverage and Decision Coverage</a:t>
+            </a:r>
+          </a:p>
+        </p:txBody>
+      </p:sp>
+      <p:sp>
+        <p:nvSpPr>
+          <p:cNvPr id="3" name="Content Placeholder 2"/>
+          <p:cNvSpPr>
+            <a:spLocks noGrp="1"/>
+          </p:cNvSpPr>
+          <p:nvPr>
+            <p:ph idx="1"/>
+          </p:nvPr>
+        </p:nvSpPr>
+        <p:spPr/>
+        <p:txBody>
+          <a:bodyPr>
+            <a:normAutofit lnSpcReduction="10000"/>
+          </a:bodyPr>
+          <a:lstStyle/>
+          <a:p>
+            <a:pPr marL="0" indent="0">
+              <a:buNone/>
+            </a:pPr>
+            <a:r>
               <a:rPr lang="en-US" dirty="0"/>
-              <a:t>Interview Questions </a:t>
-            </a:r>
-          </a:p>
-        </p:txBody>
-      </p:sp>
-      <p:sp>
-        <p:nvSpPr>
-          <p:cNvPr id="3" name="Content Placeholder 2"/>
-          <p:cNvSpPr>
-            <a:spLocks noGrp="1"/>
-          </p:cNvSpPr>
-          <p:nvPr>
-            <p:ph idx="1"/>
-          </p:nvPr>
-        </p:nvSpPr>
-        <p:spPr/>
-        <p:txBody>
-          <a:bodyPr/>
-          <a:lstStyle/>
-          <a:p>
-            <a:r>
-              <a:rPr lang="en-US" sz="2000" dirty="0"/>
-              <a:t>What is difference between QA, QC and Software Testing?</a:t>
-            </a:r>
-          </a:p>
-          <a:p>
-            <a:r>
-              <a:rPr lang="en-US" sz="2000" dirty="0"/>
-              <a:t>What is verification and validation?</a:t>
-            </a:r>
-          </a:p>
-          <a:p>
-            <a:r>
-              <a:rPr lang="en-US" sz="2000" dirty="0"/>
               <a:t>Explain Branch Coverage and Decision Coverage.</a:t>
             </a:r>
           </a:p>
           <a:p>
             <a:r>
-              <a:rPr lang="en-US" sz="2000" dirty="0"/>
-              <a:t>What is pair-wise programming and why is it relevant to software testing?</a:t>
-            </a:r>
-          </a:p>
-          <a:p>
-            <a:pPr lvl="0"/>
-            <a:r>
-              <a:rPr lang="en-US" sz="2000" dirty="0"/>
-              <a:t>Why is testing software using concurrent programming hard? What are races and why do they affect system testing.</a:t>
-            </a:r>
-          </a:p>
-          <a:p>
-            <a:r>
-              <a:rPr lang="en-US" sz="2000" dirty="0"/>
-              <a:t>Phase in detecting defect: During a software development project two similar requirements defects were detected. One was detected in the requirements phase, and the other during the implementation phase. </a:t>
-            </a:r>
-          </a:p>
-          <a:p>
-            <a:pPr lvl="0"/>
-            <a:r>
-              <a:rPr lang="en-US" sz="2000" dirty="0"/>
-              <a:t>Why do we measure defect rates and what can they tell us? </a:t>
-            </a:r>
-          </a:p>
-          <a:p>
-            <a:r>
-              <a:rPr lang="en-US" sz="2000" dirty="0"/>
-              <a:t>What is Static Analysis?</a:t>
-            </a:r>
-          </a:p>
-          <a:p>
-            <a:endParaRPr lang="en-US" sz="2000" dirty="0"/>
-          </a:p>
-          <a:p>
+              <a:rPr lang="en-US" b="1" dirty="0" smtClean="0"/>
+              <a:t>Branch </a:t>
+            </a:r>
+            <a:r>
+              <a:rPr lang="en-US" b="1" dirty="0"/>
+              <a:t>Coverage </a:t>
+            </a:r>
+            <a:r>
+              <a:rPr lang="en-US" dirty="0"/>
+              <a:t>is testing performed in order to ensure that every branch of the software is executed </a:t>
+            </a:r>
+            <a:r>
+              <a:rPr lang="en-US" dirty="0" smtClean="0"/>
+              <a:t>at least </a:t>
+            </a:r>
+            <a:r>
+              <a:rPr lang="en-US" dirty="0"/>
+              <a:t>once</a:t>
+            </a:r>
+            <a:r>
+              <a:rPr lang="en-US" dirty="0" smtClean="0"/>
+              <a:t>. </a:t>
+            </a:r>
+            <a:r>
+              <a:rPr lang="en-US" dirty="0"/>
+              <a:t>To perform the Branch coverage testing we take the help of the Control Flow Graph. </a:t>
+            </a:r>
+          </a:p>
+          <a:p>
+            <a:r>
+              <a:rPr lang="en-US" b="1" dirty="0" smtClean="0"/>
+              <a:t>Decision </a:t>
+            </a:r>
+            <a:r>
+              <a:rPr lang="en-US" b="1" dirty="0"/>
+              <a:t>coverage </a:t>
+            </a:r>
+            <a:r>
+              <a:rPr lang="en-US" dirty="0"/>
+              <a:t>testing ensures that every decision taking statement is executed </a:t>
+            </a:r>
+            <a:r>
+              <a:rPr lang="en-US" dirty="0" smtClean="0"/>
+              <a:t>at least </a:t>
+            </a:r>
+            <a:r>
+              <a:rPr lang="en-US" dirty="0"/>
+              <a:t>once</a:t>
+            </a:r>
+            <a:r>
+              <a:rPr lang="en-US" dirty="0" smtClean="0"/>
+              <a:t>.</a:t>
+            </a:r>
             <a:endParaRPr lang="en-US" dirty="0"/>
+          </a:p>
+          <a:p>
+            <a:r>
+              <a:rPr lang="en-US" dirty="0" smtClean="0"/>
+              <a:t>Both </a:t>
+            </a:r>
+            <a:r>
+              <a:rPr lang="en-US" dirty="0"/>
+              <a:t>decision and branch coverage testing is done to ensure the tester that no branch and decision taking </a:t>
+            </a:r>
+            <a:r>
+              <a:rPr lang="en-US" dirty="0" smtClean="0"/>
+              <a:t>statement </a:t>
+            </a:r>
+            <a:r>
+              <a:rPr lang="en-US" dirty="0"/>
+              <a:t>will </a:t>
+            </a:r>
+            <a:r>
+              <a:rPr lang="en-US" dirty="0" smtClean="0"/>
+              <a:t>lead </a:t>
+            </a:r>
+            <a:r>
+              <a:rPr lang="en-US" dirty="0"/>
+              <a:t>to failure of the software</a:t>
+            </a:r>
+            <a:r>
+              <a:rPr lang="en-US" dirty="0" smtClean="0"/>
+              <a:t>.</a:t>
+            </a:r>
+            <a:endParaRPr lang="en-US" dirty="0"/>
+          </a:p>
+          <a:p>
+            <a:r>
+              <a:rPr lang="en-US" dirty="0" smtClean="0"/>
+              <a:t>To </a:t>
+            </a:r>
+            <a:r>
+              <a:rPr lang="en-US" dirty="0"/>
+              <a:t>Calculate Branch Coverage:</a:t>
+            </a:r>
+          </a:p>
+          <a:p>
+            <a:pPr lvl="1"/>
+            <a:r>
+              <a:rPr lang="en-US" b="1" dirty="0"/>
+              <a:t>Branch Coverage = Tested Decision Outcomes / Total Decision Outcomes.</a:t>
+            </a:r>
           </a:p>
         </p:txBody>
       </p:sp>
@@ -33900,7 +33271,7 @@
     </p:spTree>
     <p:extLst>
       <p:ext uri="{BB962C8B-B14F-4D97-AF65-F5344CB8AC3E}">
-        <p14:creationId xmlns:p14="http://schemas.microsoft.com/office/powerpoint/2010/main" val="400765021"/>
+        <p14:creationId xmlns:p14="http://schemas.microsoft.com/office/powerpoint/2010/main" val="2491655398"/>
       </p:ext>
     </p:extLst>
   </p:cSld>
@@ -34288,15 +33659,14 @@
         </p:nvSpPr>
         <p:spPr/>
         <p:txBody>
-          <a:bodyPr>
-            <a:normAutofit/>
-          </a:bodyPr>
-          <a:lstStyle/>
-          <a:p>
-            <a:r>
-              <a:rPr lang="en-US" sz="3200" dirty="0"/>
-              <a:t>What is difference between QA, QC and Software Testing?</a:t>
-            </a:r>
+          <a:bodyPr/>
+          <a:lstStyle/>
+          <a:p>
+            <a:r>
+              <a:rPr lang="en-US" dirty="0" smtClean="0"/>
+              <a:t>What is Static Analysis?</a:t>
+            </a:r>
+            <a:endParaRPr lang="en-US" dirty="0"/>
           </a:p>
         </p:txBody>
       </p:sp>
@@ -34312,56 +33682,26 @@
         </p:nvSpPr>
         <p:spPr/>
         <p:txBody>
-          <a:bodyPr>
-            <a:normAutofit/>
-          </a:bodyPr>
-          <a:lstStyle/>
-          <a:p>
-            <a:r>
-              <a:rPr lang="en-US" sz="2400" b="1" dirty="0" smtClean="0"/>
-              <a:t>Quality Assurance (QA)</a:t>
-            </a:r>
-            <a:r>
-              <a:rPr lang="en-US" sz="2400" dirty="0" smtClean="0"/>
-              <a:t>: QA refers to the planned and systematic way of monitoring the quality of process which is followed to produce a quality product. QA tracks the outcomes and adjusts the process to meet the expectation. QA is </a:t>
-            </a:r>
-            <a:r>
-              <a:rPr lang="en-US" sz="2400" b="1" dirty="0" smtClean="0"/>
-              <a:t>not</a:t>
-            </a:r>
-            <a:r>
-              <a:rPr lang="en-US" sz="2400" dirty="0" smtClean="0"/>
-              <a:t> </a:t>
-            </a:r>
-            <a:r>
-              <a:rPr lang="en-US" sz="2400" u="sng" dirty="0" smtClean="0"/>
-              <a:t>just</a:t>
-            </a:r>
-            <a:r>
-              <a:rPr lang="en-US" sz="2400" dirty="0" smtClean="0"/>
-              <a:t> testing.</a:t>
-            </a:r>
-          </a:p>
-          <a:p>
-            <a:r>
-              <a:rPr lang="en-US" sz="2400" b="1" dirty="0" smtClean="0"/>
-              <a:t>Quality Control (QC)</a:t>
-            </a:r>
-            <a:r>
-              <a:rPr lang="en-US" sz="2400" dirty="0" smtClean="0"/>
-              <a:t>: Concern with the quality of the product. QC finds the defects and suggests improvements. The process set by QA is implemented by QC. The QC is the responsibility of the tester.</a:t>
-            </a:r>
-          </a:p>
-          <a:p>
-            <a:r>
-              <a:rPr lang="en-US" sz="2400" b="1" dirty="0" smtClean="0"/>
-              <a:t>Software Testing</a:t>
-            </a:r>
-            <a:r>
-              <a:rPr lang="en-US" sz="2400" dirty="0" smtClean="0"/>
-              <a:t>: is the process of ensuring that product which is developed by the developer meets the user requirement. The motive to perform testing is to find the bugs and make sure that they get fixed.</a:t>
-            </a:r>
-            <a:endParaRPr lang="en-US" sz="2400" dirty="0"/>
+          <a:bodyPr/>
+          <a:lstStyle/>
+          <a:p>
+            <a:r>
+              <a:rPr lang="en-US" dirty="0" smtClean="0"/>
+              <a:t>The term "static analysis" is conflated, but here we use it to mean a collection of algorithms and techniques used to analyze source code in order to automatically find bugs. </a:t>
+            </a:r>
+          </a:p>
+          <a:p>
+            <a:r>
+              <a:rPr lang="en-US" dirty="0" smtClean="0"/>
+              <a:t>The idea is similar in spirit to compiler warnings (which can be useful for finding coding errors) but to take that idea a step further and find bugs that are traditionally found using run-time debugging techniques such as testing.</a:t>
+            </a:r>
+          </a:p>
+          <a:p>
+            <a:r>
+              <a:rPr lang="en-US" dirty="0" smtClean="0"/>
+              <a:t>Static analysis bug-finding tools have evolved over the last several decades from basic syntactic checkers to those that find deep bugs by reasoning about the semantics of code. </a:t>
+            </a:r>
+            <a:endParaRPr lang="en-US" dirty="0"/>
           </a:p>
         </p:txBody>
       </p:sp>
@@ -34383,462 +33723,6 @@
             <a:fld id="{B543A0FD-1CA6-4228-86A2-78061B4844C8}" type="slidenum">
               <a:rPr lang="en-US" smtClean="0"/>
               <a:t>90</a:t>
-            </a:fld>
-            <a:endParaRPr lang="en-US"/>
-          </a:p>
-        </p:txBody>
-      </p:sp>
-    </p:spTree>
-    <p:extLst>
-      <p:ext uri="{BB962C8B-B14F-4D97-AF65-F5344CB8AC3E}">
-        <p14:creationId xmlns:p14="http://schemas.microsoft.com/office/powerpoint/2010/main" val="945040408"/>
-      </p:ext>
-    </p:extLst>
-  </p:cSld>
-  <p:clrMapOvr>
-    <a:masterClrMapping/>
-  </p:clrMapOvr>
-</p:sld>
-</file>
-
-<file path=ppt/slides/slide91.xml><?xml version="1.0" encoding="utf-8"?>
-<p:sld xmlns:a="http://schemas.openxmlformats.org/drawingml/2006/main" xmlns:r="http://schemas.openxmlformats.org/officeDocument/2006/relationships" xmlns:p="http://schemas.openxmlformats.org/presentationml/2006/main">
-  <p:cSld>
-    <p:spTree>
-      <p:nvGrpSpPr>
-        <p:cNvPr id="1" name=""/>
-        <p:cNvGrpSpPr/>
-        <p:nvPr/>
-      </p:nvGrpSpPr>
-      <p:grpSpPr>
-        <a:xfrm>
-          <a:off x="0" y="0"/>
-          <a:ext cx="0" cy="0"/>
-          <a:chOff x="0" y="0"/>
-          <a:chExt cx="0" cy="0"/>
-        </a:xfrm>
-      </p:grpSpPr>
-      <p:sp>
-        <p:nvSpPr>
-          <p:cNvPr id="2" name="Title 1"/>
-          <p:cNvSpPr>
-            <a:spLocks noGrp="1"/>
-          </p:cNvSpPr>
-          <p:nvPr>
-            <p:ph type="title"/>
-          </p:nvPr>
-        </p:nvSpPr>
-        <p:spPr/>
-        <p:txBody>
-          <a:bodyPr/>
-          <a:lstStyle/>
-          <a:p>
-            <a:r>
-              <a:rPr lang="en-US" dirty="0" smtClean="0"/>
-              <a:t>Verification And Validation</a:t>
-            </a:r>
-            <a:endParaRPr lang="en-US" dirty="0"/>
-          </a:p>
-        </p:txBody>
-      </p:sp>
-      <p:sp>
-        <p:nvSpPr>
-          <p:cNvPr id="3" name="Content Placeholder 2"/>
-          <p:cNvSpPr>
-            <a:spLocks noGrp="1"/>
-          </p:cNvSpPr>
-          <p:nvPr>
-            <p:ph idx="1"/>
-          </p:nvPr>
-        </p:nvSpPr>
-        <p:spPr/>
-        <p:txBody>
-          <a:bodyPr/>
-          <a:lstStyle/>
-          <a:p>
-            <a:pPr marL="0" indent="0">
-              <a:buNone/>
-            </a:pPr>
-            <a:r>
-              <a:rPr lang="en-US" dirty="0" smtClean="0"/>
-              <a:t>What </a:t>
-            </a:r>
-            <a:r>
-              <a:rPr lang="en-US" dirty="0"/>
-              <a:t>is verification and validation?</a:t>
-            </a:r>
-          </a:p>
-          <a:p>
-            <a:r>
-              <a:rPr lang="en-US" b="1" dirty="0"/>
-              <a:t>Verification:</a:t>
-            </a:r>
-            <a:r>
-              <a:rPr lang="en-US" dirty="0"/>
-              <a:t> process of evaluating work-products of a development phase to determine whether they meet the specified requirements for that phase</a:t>
-            </a:r>
-            <a:r>
-              <a:rPr lang="en-US" dirty="0" smtClean="0"/>
-              <a:t>.</a:t>
-            </a:r>
-            <a:endParaRPr lang="en-US" dirty="0"/>
-          </a:p>
-          <a:p>
-            <a:r>
-              <a:rPr lang="en-US" b="1" dirty="0"/>
-              <a:t>Validation:</a:t>
-            </a:r>
-            <a:r>
-              <a:rPr lang="en-US" dirty="0"/>
-              <a:t> process of evaluating software during or at the end of the development process to determine whether it </a:t>
-            </a:r>
-            <a:r>
-              <a:rPr lang="en-US" dirty="0" smtClean="0"/>
-              <a:t>meets specified </a:t>
-            </a:r>
-            <a:r>
-              <a:rPr lang="en-US" dirty="0"/>
-              <a:t>requirements.</a:t>
-            </a:r>
-          </a:p>
-        </p:txBody>
-      </p:sp>
-      <p:sp>
-        <p:nvSpPr>
-          <p:cNvPr id="4" name="Slide Number Placeholder 3"/>
-          <p:cNvSpPr>
-            <a:spLocks noGrp="1"/>
-          </p:cNvSpPr>
-          <p:nvPr>
-            <p:ph type="sldNum" sz="quarter" idx="12"/>
-          </p:nvPr>
-        </p:nvSpPr>
-        <p:spPr/>
-        <p:txBody>
-          <a:bodyPr/>
-          <a:lstStyle/>
-          <a:p>
-            <a:fld id="{B543A0FD-1CA6-4228-86A2-78061B4844C8}" type="slidenum">
-              <a:rPr lang="en-US" smtClean="0"/>
-              <a:t>91</a:t>
-            </a:fld>
-            <a:endParaRPr lang="en-US"/>
-          </a:p>
-        </p:txBody>
-      </p:sp>
-    </p:spTree>
-    <p:extLst>
-      <p:ext uri="{BB962C8B-B14F-4D97-AF65-F5344CB8AC3E}">
-        <p14:creationId xmlns:p14="http://schemas.microsoft.com/office/powerpoint/2010/main" val="1777340847"/>
-      </p:ext>
-    </p:extLst>
-  </p:cSld>
-  <p:clrMapOvr>
-    <a:masterClrMapping/>
-  </p:clrMapOvr>
-</p:sld>
-</file>
-
-<file path=ppt/slides/slide92.xml><?xml version="1.0" encoding="utf-8"?>
-<p:sld xmlns:a="http://schemas.openxmlformats.org/drawingml/2006/main" xmlns:r="http://schemas.openxmlformats.org/officeDocument/2006/relationships" xmlns:p="http://schemas.openxmlformats.org/presentationml/2006/main">
-  <p:cSld>
-    <p:spTree>
-      <p:nvGrpSpPr>
-        <p:cNvPr id="1" name=""/>
-        <p:cNvGrpSpPr/>
-        <p:nvPr/>
-      </p:nvGrpSpPr>
-      <p:grpSpPr>
-        <a:xfrm>
-          <a:off x="0" y="0"/>
-          <a:ext cx="0" cy="0"/>
-          <a:chOff x="0" y="0"/>
-          <a:chExt cx="0" cy="0"/>
-        </a:xfrm>
-      </p:grpSpPr>
-      <p:sp>
-        <p:nvSpPr>
-          <p:cNvPr id="2" name="Title 1"/>
-          <p:cNvSpPr>
-            <a:spLocks noGrp="1"/>
-          </p:cNvSpPr>
-          <p:nvPr>
-            <p:ph type="title"/>
-          </p:nvPr>
-        </p:nvSpPr>
-        <p:spPr/>
-        <p:txBody>
-          <a:bodyPr/>
-          <a:lstStyle/>
-          <a:p>
-            <a:r>
-              <a:rPr lang="en-US" sz="3600" dirty="0"/>
-              <a:t>Branch Coverage and Decision Coverage</a:t>
-            </a:r>
-          </a:p>
-        </p:txBody>
-      </p:sp>
-      <p:sp>
-        <p:nvSpPr>
-          <p:cNvPr id="3" name="Content Placeholder 2"/>
-          <p:cNvSpPr>
-            <a:spLocks noGrp="1"/>
-          </p:cNvSpPr>
-          <p:nvPr>
-            <p:ph idx="1"/>
-          </p:nvPr>
-        </p:nvSpPr>
-        <p:spPr/>
-        <p:txBody>
-          <a:bodyPr>
-            <a:normAutofit lnSpcReduction="10000"/>
-          </a:bodyPr>
-          <a:lstStyle/>
-          <a:p>
-            <a:pPr marL="0" indent="0">
-              <a:buNone/>
-            </a:pPr>
-            <a:r>
-              <a:rPr lang="en-US" dirty="0"/>
-              <a:t>Explain Branch Coverage and Decision Coverage.</a:t>
-            </a:r>
-          </a:p>
-          <a:p>
-            <a:r>
-              <a:rPr lang="en-US" b="1" dirty="0" smtClean="0"/>
-              <a:t>Branch </a:t>
-            </a:r>
-            <a:r>
-              <a:rPr lang="en-US" b="1" dirty="0"/>
-              <a:t>Coverage </a:t>
-            </a:r>
-            <a:r>
-              <a:rPr lang="en-US" dirty="0"/>
-              <a:t>is testing performed in order to ensure that every branch of the software is executed </a:t>
-            </a:r>
-            <a:r>
-              <a:rPr lang="en-US" dirty="0" smtClean="0"/>
-              <a:t>at least </a:t>
-            </a:r>
-            <a:r>
-              <a:rPr lang="en-US" dirty="0"/>
-              <a:t>once</a:t>
-            </a:r>
-            <a:r>
-              <a:rPr lang="en-US" dirty="0" smtClean="0"/>
-              <a:t>. </a:t>
-            </a:r>
-            <a:r>
-              <a:rPr lang="en-US" dirty="0"/>
-              <a:t>To perform the Branch coverage testing we take the help of the Control Flow Graph. </a:t>
-            </a:r>
-          </a:p>
-          <a:p>
-            <a:r>
-              <a:rPr lang="en-US" b="1" dirty="0" smtClean="0"/>
-              <a:t>Decision </a:t>
-            </a:r>
-            <a:r>
-              <a:rPr lang="en-US" b="1" dirty="0"/>
-              <a:t>coverage </a:t>
-            </a:r>
-            <a:r>
-              <a:rPr lang="en-US" dirty="0"/>
-              <a:t>testing ensures that every decision taking statement is executed </a:t>
-            </a:r>
-            <a:r>
-              <a:rPr lang="en-US" dirty="0" smtClean="0"/>
-              <a:t>at least </a:t>
-            </a:r>
-            <a:r>
-              <a:rPr lang="en-US" dirty="0"/>
-              <a:t>once</a:t>
-            </a:r>
-            <a:r>
-              <a:rPr lang="en-US" dirty="0" smtClean="0"/>
-              <a:t>.</a:t>
-            </a:r>
-            <a:endParaRPr lang="en-US" dirty="0"/>
-          </a:p>
-          <a:p>
-            <a:r>
-              <a:rPr lang="en-US" dirty="0" smtClean="0"/>
-              <a:t>Both </a:t>
-            </a:r>
-            <a:r>
-              <a:rPr lang="en-US" dirty="0"/>
-              <a:t>decision and branch coverage testing is done to ensure the tester that no branch and decision taking </a:t>
-            </a:r>
-            <a:r>
-              <a:rPr lang="en-US" dirty="0" smtClean="0"/>
-              <a:t>statement </a:t>
-            </a:r>
-            <a:r>
-              <a:rPr lang="en-US" dirty="0"/>
-              <a:t>will </a:t>
-            </a:r>
-            <a:r>
-              <a:rPr lang="en-US" dirty="0" smtClean="0"/>
-              <a:t>lead </a:t>
-            </a:r>
-            <a:r>
-              <a:rPr lang="en-US" dirty="0"/>
-              <a:t>to failure of the software</a:t>
-            </a:r>
-            <a:r>
-              <a:rPr lang="en-US" dirty="0" smtClean="0"/>
-              <a:t>.</a:t>
-            </a:r>
-            <a:endParaRPr lang="en-US" dirty="0"/>
-          </a:p>
-          <a:p>
-            <a:r>
-              <a:rPr lang="en-US" dirty="0" smtClean="0"/>
-              <a:t>To </a:t>
-            </a:r>
-            <a:r>
-              <a:rPr lang="en-US" dirty="0"/>
-              <a:t>Calculate Branch Coverage:</a:t>
-            </a:r>
-          </a:p>
-          <a:p>
-            <a:pPr lvl="1"/>
-            <a:r>
-              <a:rPr lang="en-US" b="1" dirty="0"/>
-              <a:t>Branch Coverage = Tested Decision Outcomes / Total Decision Outcomes.</a:t>
-            </a:r>
-          </a:p>
-        </p:txBody>
-      </p:sp>
-      <p:sp>
-        <p:nvSpPr>
-          <p:cNvPr id="4" name="Slide Number Placeholder 3"/>
-          <p:cNvSpPr>
-            <a:spLocks noGrp="1"/>
-          </p:cNvSpPr>
-          <p:nvPr>
-            <p:ph type="sldNum" sz="quarter" idx="12"/>
-          </p:nvPr>
-        </p:nvSpPr>
-        <p:spPr/>
-        <p:txBody>
-          <a:bodyPr/>
-          <a:lstStyle/>
-          <a:p>
-            <a:fld id="{B543A0FD-1CA6-4228-86A2-78061B4844C8}" type="slidenum">
-              <a:rPr lang="en-US" smtClean="0"/>
-              <a:t>92</a:t>
-            </a:fld>
-            <a:endParaRPr lang="en-US"/>
-          </a:p>
-        </p:txBody>
-      </p:sp>
-    </p:spTree>
-    <p:extLst>
-      <p:ext uri="{BB962C8B-B14F-4D97-AF65-F5344CB8AC3E}">
-        <p14:creationId xmlns:p14="http://schemas.microsoft.com/office/powerpoint/2010/main" val="2491655398"/>
-      </p:ext>
-    </p:extLst>
-  </p:cSld>
-  <p:clrMapOvr>
-    <a:masterClrMapping/>
-  </p:clrMapOvr>
-</p:sld>
-</file>
-
-<file path=ppt/slides/slide93.xml><?xml version="1.0" encoding="utf-8"?>
-<p:sld xmlns:a="http://schemas.openxmlformats.org/drawingml/2006/main" xmlns:r="http://schemas.openxmlformats.org/officeDocument/2006/relationships" xmlns:p="http://schemas.openxmlformats.org/presentationml/2006/main">
-  <p:cSld>
-    <p:spTree>
-      <p:nvGrpSpPr>
-        <p:cNvPr id="1" name=""/>
-        <p:cNvGrpSpPr/>
-        <p:nvPr/>
-      </p:nvGrpSpPr>
-      <p:grpSpPr>
-        <a:xfrm>
-          <a:off x="0" y="0"/>
-          <a:ext cx="0" cy="0"/>
-          <a:chOff x="0" y="0"/>
-          <a:chExt cx="0" cy="0"/>
-        </a:xfrm>
-      </p:grpSpPr>
-      <p:sp>
-        <p:nvSpPr>
-          <p:cNvPr id="2" name="Title 1"/>
-          <p:cNvSpPr>
-            <a:spLocks noGrp="1"/>
-          </p:cNvSpPr>
-          <p:nvPr>
-            <p:ph type="title"/>
-          </p:nvPr>
-        </p:nvSpPr>
-        <p:spPr/>
-        <p:txBody>
-          <a:bodyPr/>
-          <a:lstStyle/>
-          <a:p>
-            <a:r>
-              <a:rPr lang="en-US" dirty="0" smtClean="0"/>
-              <a:t>What is Static Analysis?</a:t>
-            </a:r>
-            <a:endParaRPr lang="en-US" dirty="0"/>
-          </a:p>
-        </p:txBody>
-      </p:sp>
-      <p:sp>
-        <p:nvSpPr>
-          <p:cNvPr id="3" name="Content Placeholder 2"/>
-          <p:cNvSpPr>
-            <a:spLocks noGrp="1"/>
-          </p:cNvSpPr>
-          <p:nvPr>
-            <p:ph idx="1"/>
-          </p:nvPr>
-        </p:nvSpPr>
-        <p:spPr/>
-        <p:txBody>
-          <a:bodyPr/>
-          <a:lstStyle/>
-          <a:p>
-            <a:r>
-              <a:rPr lang="en-US" dirty="0" smtClean="0"/>
-              <a:t>The term "static analysis" is conflated, but here we use it to mean a collection of algorithms and techniques used to analyze source code in order to automatically find bugs. </a:t>
-            </a:r>
-          </a:p>
-          <a:p>
-            <a:r>
-              <a:rPr lang="en-US" dirty="0" smtClean="0"/>
-              <a:t>The idea is similar in spirit to compiler warnings (which can be useful for finding coding errors) but to take that idea a step further and find bugs that are traditionally found using run-time debugging techniques such as testing.</a:t>
-            </a:r>
-          </a:p>
-          <a:p>
-            <a:r>
-              <a:rPr lang="en-US" dirty="0" smtClean="0"/>
-              <a:t>Static analysis bug-finding tools have evolved over the last several decades from basic syntactic checkers to those that find deep bugs by reasoning about the semantics of code. </a:t>
-            </a:r>
-            <a:endParaRPr lang="en-US" dirty="0"/>
-          </a:p>
-        </p:txBody>
-      </p:sp>
-      <p:sp>
-        <p:nvSpPr>
-          <p:cNvPr id="4" name="Slide Number Placeholder 3"/>
-          <p:cNvSpPr>
-            <a:spLocks noGrp="1"/>
-          </p:cNvSpPr>
-          <p:nvPr>
-            <p:ph type="sldNum" sz="quarter" idx="12"/>
-          </p:nvPr>
-        </p:nvSpPr>
-        <p:spPr/>
-        <p:txBody>
-          <a:bodyPr/>
-          <a:lstStyle/>
-          <a:p>
-            <a:fld id="{B543A0FD-1CA6-4228-86A2-78061B4844C8}" type="slidenum">
-              <a:rPr lang="en-US" smtClean="0"/>
-              <a:t>93</a:t>
             </a:fld>
             <a:endParaRPr lang="en-US"/>
           </a:p>
@@ -34857,7 +33741,7 @@
 </p:sld>
 </file>
 
-<file path=ppt/slides/slide94.xml><?xml version="1.0" encoding="utf-8"?>
+<file path=ppt/slides/slide91.xml><?xml version="1.0" encoding="utf-8"?>
 <p:sld xmlns:a="http://schemas.openxmlformats.org/drawingml/2006/main" xmlns:r="http://schemas.openxmlformats.org/officeDocument/2006/relationships" xmlns:p="http://schemas.openxmlformats.org/presentationml/2006/main">
   <p:cSld>
     <p:spTree>
@@ -35214,7 +34098,7 @@
               </a:ln>
               <a:extLst>
                 <a:ext uri="{909E8E84-426E-40dd-AFC4-6F175D3DCCD1}">
-                  <a14:hiddenFill xmlns:a14="http://schemas.microsoft.com/office/drawing/2010/main" xmlns="">
+                  <a14:hiddenFill xmlns="" xmlns:a14="http://schemas.microsoft.com/office/drawing/2010/main">
                     <a:noFill/>
                   </a14:hiddenFill>
                 </a:ext>
@@ -35321,7 +34205,7 @@
               </a:ln>
               <a:extLst>
                 <a:ext uri="{909E8E84-426E-40dd-AFC4-6F175D3DCCD1}">
-                  <a14:hiddenFill xmlns:a14="http://schemas.microsoft.com/office/drawing/2010/main" xmlns="">
+                  <a14:hiddenFill xmlns="" xmlns:a14="http://schemas.microsoft.com/office/drawing/2010/main">
                     <a:solidFill>
                       <a:srgbClr val="FFFFFF"/>
                     </a:solidFill>
@@ -35367,7 +34251,7 @@
             </a:ln>
             <a:extLst>
               <a:ext uri="{909E8E84-426E-40dd-AFC4-6F175D3DCCD1}">
-                <a14:hiddenFill xmlns:a14="http://schemas.microsoft.com/office/drawing/2010/main" xmlns="">
+                <a14:hiddenFill xmlns="" xmlns:a14="http://schemas.microsoft.com/office/drawing/2010/main">
                   <a:noFill/>
                 </a14:hiddenFill>
               </a:ext>
@@ -35412,7 +34296,7 @@
             </a:ln>
             <a:extLst>
               <a:ext uri="{909E8E84-426E-40dd-AFC4-6F175D3DCCD1}">
-                <a14:hiddenFill xmlns:a14="http://schemas.microsoft.com/office/drawing/2010/main" xmlns="">
+                <a14:hiddenFill xmlns="" xmlns:a14="http://schemas.microsoft.com/office/drawing/2010/main">
                   <a:noFill/>
                 </a14:hiddenFill>
               </a:ext>
@@ -35505,14 +34389,14 @@
             </a:ln>
             <a:extLst>
               <a:ext uri="{909E8E84-426E-40dd-AFC4-6F175D3DCCD1}">
-                <a14:hiddenFill xmlns:a14="http://schemas.microsoft.com/office/drawing/2010/main" xmlns="">
+                <a14:hiddenFill xmlns="" xmlns:a14="http://schemas.microsoft.com/office/drawing/2010/main">
                   <a:solidFill>
                     <a:srgbClr val="FFFFFF"/>
                   </a:solidFill>
                 </a14:hiddenFill>
               </a:ext>
               <a:ext uri="{91240B29-F687-4f45-9708-019B960494DF}">
-                <a14:hiddenLine xmlns:a14="http://schemas.microsoft.com/office/drawing/2010/main" xmlns="" w="9525">
+                <a14:hiddenLine xmlns="" xmlns:a14="http://schemas.microsoft.com/office/drawing/2010/main" w="9525">
                   <a:solidFill>
                     <a:srgbClr val="000000"/>
                   </a:solidFill>
@@ -35691,7 +34575,7 @@
           <a:p>
             <a:fld id="{B543A0FD-1CA6-4228-86A2-78061B4844C8}" type="slidenum">
               <a:rPr lang="en-US" smtClean="0"/>
-              <a:t>94</a:t>
+              <a:t>91</a:t>
             </a:fld>
             <a:endParaRPr lang="en-US"/>
           </a:p>
@@ -35717,7 +34601,7 @@
 </p:sld>
 </file>
 
-<file path=ppt/slides/slide95.xml><?xml version="1.0" encoding="utf-8"?>
+<file path=ppt/slides/slide92.xml><?xml version="1.0" encoding="utf-8"?>
 <p:sld xmlns:a="http://schemas.openxmlformats.org/drawingml/2006/main" xmlns:r="http://schemas.openxmlformats.org/officeDocument/2006/relationships" xmlns:p="http://schemas.openxmlformats.org/presentationml/2006/main">
   <p:cSld>
     <p:spTree>
@@ -35773,7 +34657,7 @@
           <a:p>
             <a:fld id="{B543A0FD-1CA6-4228-86A2-78061B4844C8}" type="slidenum">
               <a:rPr lang="en-US" smtClean="0"/>
-              <a:t>95</a:t>
+              <a:t>92</a:t>
             </a:fld>
             <a:endParaRPr lang="en-US"/>
           </a:p>
@@ -36203,7 +35087,7 @@
 </p:sld>
 </file>
 
-<file path=ppt/slides/slide96.xml><?xml version="1.0" encoding="utf-8"?>
+<file path=ppt/slides/slide93.xml><?xml version="1.0" encoding="utf-8"?>
 <p:sld xmlns:a="http://schemas.openxmlformats.org/drawingml/2006/main" xmlns:r="http://schemas.openxmlformats.org/officeDocument/2006/relationships" xmlns:p="http://schemas.openxmlformats.org/presentationml/2006/main">
   <p:cSld>
     <p:spTree>
@@ -36309,7 +35193,7 @@
           <a:p>
             <a:fld id="{B543A0FD-1CA6-4228-86A2-78061B4844C8}" type="slidenum">
               <a:rPr lang="en-US" smtClean="0"/>
-              <a:t>96</a:t>
+              <a:t>93</a:t>
             </a:fld>
             <a:endParaRPr lang="en-US"/>
           </a:p>
@@ -36328,7 +35212,7 @@
 </p:sld>
 </file>
 
-<file path=ppt/slides/slide97.xml><?xml version="1.0" encoding="utf-8"?>
+<file path=ppt/slides/slide94.xml><?xml version="1.0" encoding="utf-8"?>
 <p:sld xmlns:a="http://schemas.openxmlformats.org/drawingml/2006/main" xmlns:r="http://schemas.openxmlformats.org/officeDocument/2006/relationships" xmlns:p="http://schemas.openxmlformats.org/presentationml/2006/main">
   <p:cSld>
     <p:spTree>
@@ -36462,7 +35346,7 @@
           <a:p>
             <a:fld id="{B543A0FD-1CA6-4228-86A2-78061B4844C8}" type="slidenum">
               <a:rPr lang="en-US" smtClean="0"/>
-              <a:t>97</a:t>
+              <a:t>94</a:t>
             </a:fld>
             <a:endParaRPr lang="en-US"/>
           </a:p>
@@ -36481,7 +35365,7 @@
 </p:sld>
 </file>
 
-<file path=ppt/slides/slide98.xml><?xml version="1.0" encoding="utf-8"?>
+<file path=ppt/slides/slide95.xml><?xml version="1.0" encoding="utf-8"?>
 <p:sld xmlns:a="http://schemas.openxmlformats.org/drawingml/2006/main" xmlns:r="http://schemas.openxmlformats.org/officeDocument/2006/relationships" xmlns:p="http://schemas.openxmlformats.org/presentationml/2006/main">
   <p:cSld>
     <p:spTree>
@@ -36616,7 +35500,7 @@
           <a:p>
             <a:fld id="{B543A0FD-1CA6-4228-86A2-78061B4844C8}" type="slidenum">
               <a:rPr lang="en-US" smtClean="0"/>
-              <a:t>98</a:t>
+              <a:t>95</a:t>
             </a:fld>
             <a:endParaRPr lang="en-US"/>
           </a:p>
@@ -36642,7 +35526,7 @@
 </p:sld>
 </file>
 
-<file path=ppt/slides/slide99.xml><?xml version="1.0" encoding="utf-8"?>
+<file path=ppt/slides/slide96.xml><?xml version="1.0" encoding="utf-8"?>
 <p:sld xmlns:a="http://schemas.openxmlformats.org/drawingml/2006/main" xmlns:r="http://schemas.openxmlformats.org/officeDocument/2006/relationships" xmlns:p="http://schemas.openxmlformats.org/presentationml/2006/main" showMasterPhAnim="0">
   <p:cSld>
     <p:spTree>
@@ -36965,7 +35849,7 @@
           <a:p>
             <a:fld id="{B543A0FD-1CA6-4228-86A2-78061B4844C8}" type="slidenum">
               <a:rPr lang="en-US" smtClean="0"/>
-              <a:t>99</a:t>
+              <a:t>96</a:t>
             </a:fld>
             <a:endParaRPr lang="en-US"/>
           </a:p>
@@ -37439,6 +36323,636 @@
                                           <p:spTgt spid="296963">
                                             <p:txEl>
                                               <p:pRg st="11" end="11"/>
+                                            </p:txEl>
+                                          </p:spTgt>
+                                        </p:tgtEl>
+                                        <p:attrNameLst>
+                                          <p:attrName>style.visibility</p:attrName>
+                                        </p:attrNameLst>
+                                      </p:cBhvr>
+                                      <p:to>
+                                        <p:strVal val="visible"/>
+                                      </p:to>
+                                    </p:set>
+                                  </p:childTnLst>
+                                </p:cTn>
+                              </p:par>
+                            </p:childTnLst>
+                          </p:cTn>
+                        </p:par>
+                      </p:childTnLst>
+                    </p:cTn>
+                  </p:par>
+                </p:childTnLst>
+              </p:cTn>
+              <p:prevCondLst>
+                <p:cond evt="onPrev" delay="0">
+                  <p:tgtEl>
+                    <p:sldTgt/>
+                  </p:tgtEl>
+                </p:cond>
+              </p:prevCondLst>
+              <p:nextCondLst>
+                <p:cond evt="onNext" delay="0">
+                  <p:tgtEl>
+                    <p:sldTgt/>
+                  </p:tgtEl>
+                </p:cond>
+              </p:nextCondLst>
+            </p:seq>
+          </p:childTnLst>
+        </p:cTn>
+      </p:par>
+    </p:tnLst>
+    <p:bldLst>
+      <p:bldP spid="296963" grpId="0" build="p" autoUpdateAnimBg="0"/>
+    </p:bldLst>
+  </p:timing>
+</p:sld>
+</file>
+
+<file path=ppt/slides/slide97.xml><?xml version="1.0" encoding="utf-8"?>
+<p:sld xmlns:a="http://schemas.openxmlformats.org/drawingml/2006/main" xmlns:r="http://schemas.openxmlformats.org/officeDocument/2006/relationships" xmlns:p="http://schemas.openxmlformats.org/presentationml/2006/main" showMasterPhAnim="0">
+  <p:cSld>
+    <p:spTree>
+      <p:nvGrpSpPr>
+        <p:cNvPr id="1" name=""/>
+        <p:cNvGrpSpPr/>
+        <p:nvPr/>
+      </p:nvGrpSpPr>
+      <p:grpSpPr>
+        <a:xfrm>
+          <a:off x="0" y="0"/>
+          <a:ext cx="0" cy="0"/>
+          <a:chOff x="0" y="0"/>
+          <a:chExt cx="0" cy="0"/>
+        </a:xfrm>
+      </p:grpSpPr>
+      <p:sp>
+        <p:nvSpPr>
+          <p:cNvPr id="29701" name="Rectangle 2"/>
+          <p:cNvSpPr>
+            <a:spLocks noGrp="1" noChangeArrowheads="1"/>
+          </p:cNvSpPr>
+          <p:nvPr>
+            <p:ph type="title"/>
+          </p:nvPr>
+        </p:nvSpPr>
+        <p:spPr/>
+        <p:txBody>
+          <a:bodyPr/>
+          <a:lstStyle/>
+          <a:p>
+            <a:r>
+              <a:rPr lang="en-US" dirty="0" smtClean="0"/>
+              <a:t>Professional Ethics</a:t>
+            </a:r>
+            <a:endParaRPr lang="en-US" dirty="0"/>
+          </a:p>
+        </p:txBody>
+      </p:sp>
+      <p:sp>
+        <p:nvSpPr>
+          <p:cNvPr id="296963" name="Rectangle 3"/>
+          <p:cNvSpPr>
+            <a:spLocks noGrp="1" noChangeArrowheads="1"/>
+          </p:cNvSpPr>
+          <p:nvPr>
+            <p:ph type="body" idx="1"/>
+          </p:nvPr>
+        </p:nvSpPr>
+        <p:spPr/>
+        <p:txBody>
+          <a:bodyPr>
+            <a:normAutofit lnSpcReduction="10000"/>
+          </a:bodyPr>
+          <a:lstStyle/>
+          <a:p>
+            <a:r>
+              <a:rPr lang="en-US" sz="1800" b="1" dirty="0"/>
+              <a:t>Recognizing the ACM and IEEE code of ethics for engineers:</a:t>
+            </a:r>
+          </a:p>
+          <a:p>
+            <a:r>
+              <a:rPr lang="en-US" sz="1800" dirty="0"/>
+              <a:t>PUBLIC - Software testers shall act consistently with the public interest.</a:t>
+            </a:r>
+          </a:p>
+          <a:p>
+            <a:r>
+              <a:rPr lang="en-US" sz="1800" dirty="0"/>
+              <a:t>CLIENT AND EMPLOYER - Software testers shall act in a manner that is in the best interests of their client and employer, consistent with the public interest.</a:t>
+            </a:r>
+          </a:p>
+          <a:p>
+            <a:r>
+              <a:rPr lang="en-US" sz="1800" dirty="0"/>
+              <a:t>PRODUCT - Software testers shall ensure that the deliverables they provide (on the products and systems they test) meet the highest professional standards possible.</a:t>
+            </a:r>
+          </a:p>
+          <a:p>
+            <a:r>
+              <a:rPr lang="en-US" sz="1800" dirty="0"/>
+              <a:t>JUDGMENT - Software testers shall maintain integrity and independence in their professional judgment.</a:t>
+            </a:r>
+          </a:p>
+          <a:p>
+            <a:r>
+              <a:rPr lang="en-US" sz="1800" dirty="0"/>
+              <a:t>MANAGEMENT - Software test managers and leaders shall subscribe to and promote an ethical approach to the management of software testing.</a:t>
+            </a:r>
+          </a:p>
+          <a:p>
+            <a:r>
+              <a:rPr lang="en-US" sz="1800" dirty="0"/>
+              <a:t>PROFESSION - Software testers shall advance the integrity and reputation of the profession consistent with the public interest.</a:t>
+            </a:r>
+          </a:p>
+          <a:p>
+            <a:r>
+              <a:rPr lang="en-US" sz="1800" dirty="0"/>
+              <a:t>COLLEAGUES - Software testers shall be fair to and supportive of their colleagues, and promote cooperation with software developers.</a:t>
+            </a:r>
+          </a:p>
+          <a:p>
+            <a:r>
+              <a:rPr lang="en-US" sz="1800" dirty="0"/>
+              <a:t>SELF - Software testers shall participate in lifelong learning regarding the practice of their profession and shall promote an ethical approach to the practice of the profession.</a:t>
+            </a:r>
+          </a:p>
+        </p:txBody>
+      </p:sp>
+      <p:sp>
+        <p:nvSpPr>
+          <p:cNvPr id="2" name="Slide Number Placeholder 1"/>
+          <p:cNvSpPr>
+            <a:spLocks noGrp="1"/>
+          </p:cNvSpPr>
+          <p:nvPr>
+            <p:ph type="sldNum" sz="quarter" idx="12"/>
+          </p:nvPr>
+        </p:nvSpPr>
+        <p:spPr/>
+        <p:txBody>
+          <a:bodyPr/>
+          <a:lstStyle/>
+          <a:p>
+            <a:fld id="{B543A0FD-1CA6-4228-86A2-78061B4844C8}" type="slidenum">
+              <a:rPr lang="en-US" smtClean="0"/>
+              <a:t>97</a:t>
+            </a:fld>
+            <a:endParaRPr lang="en-US"/>
+          </a:p>
+        </p:txBody>
+      </p:sp>
+    </p:spTree>
+    <p:extLst>
+      <p:ext uri="{BB962C8B-B14F-4D97-AF65-F5344CB8AC3E}">
+        <p14:creationId xmlns:p14="http://schemas.microsoft.com/office/powerpoint/2010/main" val="3444619957"/>
+      </p:ext>
+    </p:extLst>
+  </p:cSld>
+  <p:clrMapOvr>
+    <a:masterClrMapping/>
+  </p:clrMapOvr>
+  <mc:AlternateContent xmlns:mc="http://schemas.openxmlformats.org/markup-compatibility/2006" xmlns:p14="http://schemas.microsoft.com/office/powerpoint/2010/main">
+    <mc:Choice Requires="p14">
+      <p:transition spd="slow" p14:dur="2000"/>
+    </mc:Choice>
+    <mc:Fallback xmlns="">
+      <p:transition xmlns:p14="http://schemas.microsoft.com/office/powerpoint/2010/main" spd="slow"/>
+    </mc:Fallback>
+  </mc:AlternateContent>
+  <p:timing>
+    <p:tnLst>
+      <p:par>
+        <p:cTn id="1" dur="indefinite" restart="never" nodeType="tmRoot">
+          <p:childTnLst>
+            <p:seq concurrent="1" nextAc="seek">
+              <p:cTn id="2" dur="indefinite" nodeType="mainSeq">
+                <p:childTnLst>
+                  <p:par>
+                    <p:cTn id="3" fill="hold" nodeType="clickPar">
+                      <p:stCondLst>
+                        <p:cond delay="indefinite"/>
+                      </p:stCondLst>
+                      <p:childTnLst>
+                        <p:par>
+                          <p:cTn id="4" fill="hold" nodeType="withGroup">
+                            <p:stCondLst>
+                              <p:cond delay="0"/>
+                            </p:stCondLst>
+                            <p:childTnLst>
+                              <p:par>
+                                <p:cTn id="5" presetID="1" presetClass="entr" presetSubtype="0" fill="hold" grpId="0" nodeType="clickEffect">
+                                  <p:stCondLst>
+                                    <p:cond delay="0"/>
+                                  </p:stCondLst>
+                                  <p:childTnLst>
+                                    <p:set>
+                                      <p:cBhvr>
+                                        <p:cTn id="6" dur="1" fill="hold">
+                                          <p:stCondLst>
+                                            <p:cond delay="499"/>
+                                          </p:stCondLst>
+                                        </p:cTn>
+                                        <p:tgtEl>
+                                          <p:spTgt spid="296963">
+                                            <p:txEl>
+                                              <p:pRg st="0" end="0"/>
+                                            </p:txEl>
+                                          </p:spTgt>
+                                        </p:tgtEl>
+                                        <p:attrNameLst>
+                                          <p:attrName>style.visibility</p:attrName>
+                                        </p:attrNameLst>
+                                      </p:cBhvr>
+                                      <p:to>
+                                        <p:strVal val="visible"/>
+                                      </p:to>
+                                    </p:set>
+                                  </p:childTnLst>
+                                </p:cTn>
+                              </p:par>
+                            </p:childTnLst>
+                          </p:cTn>
+                        </p:par>
+                      </p:childTnLst>
+                    </p:cTn>
+                  </p:par>
+                  <p:par>
+                    <p:cTn id="7" fill="hold">
+                      <p:stCondLst>
+                        <p:cond delay="indefinite"/>
+                      </p:stCondLst>
+                      <p:childTnLst>
+                        <p:par>
+                          <p:cTn id="8" fill="hold">
+                            <p:stCondLst>
+                              <p:cond delay="0"/>
+                            </p:stCondLst>
+                            <p:childTnLst>
+                              <p:par>
+                                <p:cTn id="9" presetID="1" presetClass="entr" presetSubtype="0" fill="hold" grpId="0" nodeType="clickEffect">
+                                  <p:stCondLst>
+                                    <p:cond delay="0"/>
+                                  </p:stCondLst>
+                                  <p:childTnLst>
+                                    <p:set>
+                                      <p:cBhvr>
+                                        <p:cTn id="10" dur="1" fill="hold">
+                                          <p:stCondLst>
+                                            <p:cond delay="499"/>
+                                          </p:stCondLst>
+                                        </p:cTn>
+                                        <p:tgtEl>
+                                          <p:spTgt spid="296963">
+                                            <p:txEl>
+                                              <p:pRg st="1" end="1"/>
+                                            </p:txEl>
+                                          </p:spTgt>
+                                        </p:tgtEl>
+                                        <p:attrNameLst>
+                                          <p:attrName>style.visibility</p:attrName>
+                                        </p:attrNameLst>
+                                      </p:cBhvr>
+                                      <p:to>
+                                        <p:strVal val="visible"/>
+                                      </p:to>
+                                    </p:set>
+                                  </p:childTnLst>
+                                </p:cTn>
+                              </p:par>
+                            </p:childTnLst>
+                          </p:cTn>
+                        </p:par>
+                      </p:childTnLst>
+                    </p:cTn>
+                  </p:par>
+                  <p:par>
+                    <p:cTn id="11" fill="hold">
+                      <p:stCondLst>
+                        <p:cond delay="indefinite"/>
+                      </p:stCondLst>
+                      <p:childTnLst>
+                        <p:par>
+                          <p:cTn id="12" fill="hold">
+                            <p:stCondLst>
+                              <p:cond delay="0"/>
+                            </p:stCondLst>
+                            <p:childTnLst>
+                              <p:par>
+                                <p:cTn id="13" presetID="1" presetClass="entr" presetSubtype="0" fill="hold" grpId="0" nodeType="clickEffect">
+                                  <p:stCondLst>
+                                    <p:cond delay="0"/>
+                                  </p:stCondLst>
+                                  <p:childTnLst>
+                                    <p:set>
+                                      <p:cBhvr>
+                                        <p:cTn id="14" dur="1" fill="hold">
+                                          <p:stCondLst>
+                                            <p:cond delay="499"/>
+                                          </p:stCondLst>
+                                        </p:cTn>
+                                        <p:tgtEl>
+                                          <p:spTgt spid="296963">
+                                            <p:txEl>
+                                              <p:pRg st="2" end="2"/>
+                                            </p:txEl>
+                                          </p:spTgt>
+                                        </p:tgtEl>
+                                        <p:attrNameLst>
+                                          <p:attrName>style.visibility</p:attrName>
+                                        </p:attrNameLst>
+                                      </p:cBhvr>
+                                      <p:to>
+                                        <p:strVal val="visible"/>
+                                      </p:to>
+                                    </p:set>
+                                  </p:childTnLst>
+                                </p:cTn>
+                              </p:par>
+                            </p:childTnLst>
+                          </p:cTn>
+                        </p:par>
+                      </p:childTnLst>
+                    </p:cTn>
+                  </p:par>
+                  <p:par>
+                    <p:cTn id="15" fill="hold">
+                      <p:stCondLst>
+                        <p:cond delay="indefinite"/>
+                      </p:stCondLst>
+                      <p:childTnLst>
+                        <p:par>
+                          <p:cTn id="16" fill="hold">
+                            <p:stCondLst>
+                              <p:cond delay="0"/>
+                            </p:stCondLst>
+                            <p:childTnLst>
+                              <p:par>
+                                <p:cTn id="17" presetID="1" presetClass="entr" presetSubtype="0" fill="hold" grpId="0" nodeType="clickEffect">
+                                  <p:stCondLst>
+                                    <p:cond delay="0"/>
+                                  </p:stCondLst>
+                                  <p:childTnLst>
+                                    <p:set>
+                                      <p:cBhvr>
+                                        <p:cTn id="18" dur="1" fill="hold">
+                                          <p:stCondLst>
+                                            <p:cond delay="499"/>
+                                          </p:stCondLst>
+                                        </p:cTn>
+                                        <p:tgtEl>
+                                          <p:spTgt spid="296963">
+                                            <p:txEl>
+                                              <p:pRg st="3" end="3"/>
+                                            </p:txEl>
+                                          </p:spTgt>
+                                        </p:tgtEl>
+                                        <p:attrNameLst>
+                                          <p:attrName>style.visibility</p:attrName>
+                                        </p:attrNameLst>
+                                      </p:cBhvr>
+                                      <p:to>
+                                        <p:strVal val="visible"/>
+                                      </p:to>
+                                    </p:set>
+                                  </p:childTnLst>
+                                </p:cTn>
+                              </p:par>
+                            </p:childTnLst>
+                          </p:cTn>
+                        </p:par>
+                      </p:childTnLst>
+                    </p:cTn>
+                  </p:par>
+                  <p:par>
+                    <p:cTn id="19" fill="hold">
+                      <p:stCondLst>
+                        <p:cond delay="indefinite"/>
+                      </p:stCondLst>
+                      <p:childTnLst>
+                        <p:par>
+                          <p:cTn id="20" fill="hold">
+                            <p:stCondLst>
+                              <p:cond delay="0"/>
+                            </p:stCondLst>
+                            <p:childTnLst>
+                              <p:par>
+                                <p:cTn id="21" presetID="1" presetClass="entr" presetSubtype="0" fill="hold" grpId="0" nodeType="clickEffect">
+                                  <p:stCondLst>
+                                    <p:cond delay="0"/>
+                                  </p:stCondLst>
+                                  <p:childTnLst>
+                                    <p:set>
+                                      <p:cBhvr>
+                                        <p:cTn id="22" dur="1" fill="hold">
+                                          <p:stCondLst>
+                                            <p:cond delay="499"/>
+                                          </p:stCondLst>
+                                        </p:cTn>
+                                        <p:tgtEl>
+                                          <p:spTgt spid="296963">
+                                            <p:txEl>
+                                              <p:pRg st="4" end="4"/>
+                                            </p:txEl>
+                                          </p:spTgt>
+                                        </p:tgtEl>
+                                        <p:attrNameLst>
+                                          <p:attrName>style.visibility</p:attrName>
+                                        </p:attrNameLst>
+                                      </p:cBhvr>
+                                      <p:to>
+                                        <p:strVal val="visible"/>
+                                      </p:to>
+                                    </p:set>
+                                  </p:childTnLst>
+                                </p:cTn>
+                              </p:par>
+                            </p:childTnLst>
+                          </p:cTn>
+                        </p:par>
+                      </p:childTnLst>
+                    </p:cTn>
+                  </p:par>
+                  <p:par>
+                    <p:cTn id="23" fill="hold">
+                      <p:stCondLst>
+                        <p:cond delay="indefinite"/>
+                      </p:stCondLst>
+                      <p:childTnLst>
+                        <p:par>
+                          <p:cTn id="24" fill="hold">
+                            <p:stCondLst>
+                              <p:cond delay="0"/>
+                            </p:stCondLst>
+                            <p:childTnLst>
+                              <p:par>
+                                <p:cTn id="25" presetID="1" presetClass="entr" presetSubtype="0" fill="hold" grpId="0" nodeType="clickEffect">
+                                  <p:stCondLst>
+                                    <p:cond delay="0"/>
+                                  </p:stCondLst>
+                                  <p:childTnLst>
+                                    <p:set>
+                                      <p:cBhvr>
+                                        <p:cTn id="26" dur="1" fill="hold">
+                                          <p:stCondLst>
+                                            <p:cond delay="499"/>
+                                          </p:stCondLst>
+                                        </p:cTn>
+                                        <p:tgtEl>
+                                          <p:spTgt spid="296963">
+                                            <p:txEl>
+                                              <p:pRg st="5" end="5"/>
+                                            </p:txEl>
+                                          </p:spTgt>
+                                        </p:tgtEl>
+                                        <p:attrNameLst>
+                                          <p:attrName>style.visibility</p:attrName>
+                                        </p:attrNameLst>
+                                      </p:cBhvr>
+                                      <p:to>
+                                        <p:strVal val="visible"/>
+                                      </p:to>
+                                    </p:set>
+                                  </p:childTnLst>
+                                </p:cTn>
+                              </p:par>
+                            </p:childTnLst>
+                          </p:cTn>
+                        </p:par>
+                      </p:childTnLst>
+                    </p:cTn>
+                  </p:par>
+                  <p:par>
+                    <p:cTn id="27" fill="hold">
+                      <p:stCondLst>
+                        <p:cond delay="indefinite"/>
+                      </p:stCondLst>
+                      <p:childTnLst>
+                        <p:par>
+                          <p:cTn id="28" fill="hold">
+                            <p:stCondLst>
+                              <p:cond delay="0"/>
+                            </p:stCondLst>
+                            <p:childTnLst>
+                              <p:par>
+                                <p:cTn id="29" presetID="1" presetClass="entr" presetSubtype="0" fill="hold" grpId="0" nodeType="clickEffect">
+                                  <p:stCondLst>
+                                    <p:cond delay="0"/>
+                                  </p:stCondLst>
+                                  <p:childTnLst>
+                                    <p:set>
+                                      <p:cBhvr>
+                                        <p:cTn id="30" dur="1" fill="hold">
+                                          <p:stCondLst>
+                                            <p:cond delay="499"/>
+                                          </p:stCondLst>
+                                        </p:cTn>
+                                        <p:tgtEl>
+                                          <p:spTgt spid="296963">
+                                            <p:txEl>
+                                              <p:pRg st="6" end="6"/>
+                                            </p:txEl>
+                                          </p:spTgt>
+                                        </p:tgtEl>
+                                        <p:attrNameLst>
+                                          <p:attrName>style.visibility</p:attrName>
+                                        </p:attrNameLst>
+                                      </p:cBhvr>
+                                      <p:to>
+                                        <p:strVal val="visible"/>
+                                      </p:to>
+                                    </p:set>
+                                  </p:childTnLst>
+                                </p:cTn>
+                              </p:par>
+                            </p:childTnLst>
+                          </p:cTn>
+                        </p:par>
+                      </p:childTnLst>
+                    </p:cTn>
+                  </p:par>
+                  <p:par>
+                    <p:cTn id="31" fill="hold">
+                      <p:stCondLst>
+                        <p:cond delay="indefinite"/>
+                      </p:stCondLst>
+                      <p:childTnLst>
+                        <p:par>
+                          <p:cTn id="32" fill="hold">
+                            <p:stCondLst>
+                              <p:cond delay="0"/>
+                            </p:stCondLst>
+                            <p:childTnLst>
+                              <p:par>
+                                <p:cTn id="33" presetID="1" presetClass="entr" presetSubtype="0" fill="hold" grpId="0" nodeType="clickEffect">
+                                  <p:stCondLst>
+                                    <p:cond delay="0"/>
+                                  </p:stCondLst>
+                                  <p:childTnLst>
+                                    <p:set>
+                                      <p:cBhvr>
+                                        <p:cTn id="34" dur="1" fill="hold">
+                                          <p:stCondLst>
+                                            <p:cond delay="499"/>
+                                          </p:stCondLst>
+                                        </p:cTn>
+                                        <p:tgtEl>
+                                          <p:spTgt spid="296963">
+                                            <p:txEl>
+                                              <p:pRg st="7" end="7"/>
+                                            </p:txEl>
+                                          </p:spTgt>
+                                        </p:tgtEl>
+                                        <p:attrNameLst>
+                                          <p:attrName>style.visibility</p:attrName>
+                                        </p:attrNameLst>
+                                      </p:cBhvr>
+                                      <p:to>
+                                        <p:strVal val="visible"/>
+                                      </p:to>
+                                    </p:set>
+                                  </p:childTnLst>
+                                </p:cTn>
+                              </p:par>
+                            </p:childTnLst>
+                          </p:cTn>
+                        </p:par>
+                      </p:childTnLst>
+                    </p:cTn>
+                  </p:par>
+                  <p:par>
+                    <p:cTn id="35" fill="hold">
+                      <p:stCondLst>
+                        <p:cond delay="indefinite"/>
+                      </p:stCondLst>
+                      <p:childTnLst>
+                        <p:par>
+                          <p:cTn id="36" fill="hold">
+                            <p:stCondLst>
+                              <p:cond delay="0"/>
+                            </p:stCondLst>
+                            <p:childTnLst>
+                              <p:par>
+                                <p:cTn id="37" presetID="1" presetClass="entr" presetSubtype="0" fill="hold" grpId="0" nodeType="clickEffect">
+                                  <p:stCondLst>
+                                    <p:cond delay="0"/>
+                                  </p:stCondLst>
+                                  <p:childTnLst>
+                                    <p:set>
+                                      <p:cBhvr>
+                                        <p:cTn id="38" dur="1" fill="hold">
+                                          <p:stCondLst>
+                                            <p:cond delay="499"/>
+                                          </p:stCondLst>
+                                        </p:cTn>
+                                        <p:tgtEl>
+                                          <p:spTgt spid="296963">
+                                            <p:txEl>
+                                              <p:pRg st="8" end="8"/>
                                             </p:txEl>
                                           </p:spTgt>
                                         </p:tgtEl>

--- a/SE401/Lectures/9-Testing Metrics and Tools/Testing Metrics and Tools.pptx
+++ b/SE401/Lectures/9-Testing Metrics and Tools/Testing Metrics and Tools.pptx
@@ -2534,18 +2534,18 @@
     </dgm:pt>
   </dgm:ptLst>
   <dgm:cxnLst>
-    <dgm:cxn modelId="{5560FE4C-9FA1-4964-BA33-3CF68979235B}" type="presOf" srcId="{DA342E01-E334-42D1-8171-B89F4131F747}" destId="{A8C6FC44-ACD4-4F37-9F41-7EAF0CF43069}" srcOrd="0" destOrd="0" presId="urn:microsoft.com/office/officeart/2008/layout/HalfCircleOrganizationChart"/>
     <dgm:cxn modelId="{8DEEFF03-D025-47BE-87DC-325D8D65C936}" type="presOf" srcId="{166F6CBC-18B4-4438-B8EC-B022CF46BF4D}" destId="{78950BD5-1290-4354-8B6B-09FD6DA53F0A}" srcOrd="0" destOrd="0" presId="urn:microsoft.com/office/officeart/2008/layout/HalfCircleOrganizationChart"/>
-    <dgm:cxn modelId="{75A35621-E53C-4BAA-8058-1EF931F2B654}" srcId="{DA342E01-E334-42D1-8171-B89F4131F747}" destId="{019F5870-650F-4F05-AAA0-0C254A54C162}" srcOrd="0" destOrd="0" parTransId="{93066FB3-2C0D-4EDA-8C94-D25605CEA909}" sibTransId="{5D472651-9192-42C6-838A-4794F59B48F4}"/>
+    <dgm:cxn modelId="{6D6D175B-3EC8-49ED-ACEC-1D62BBEBCDF9}" type="presOf" srcId="{7FF61EED-AC7D-48EA-9FA3-355CEBE859F4}" destId="{DEB0E1AB-8B61-489B-B7A1-AECAA44D90EF}" srcOrd="0" destOrd="0" presId="urn:microsoft.com/office/officeart/2008/layout/HalfCircleOrganizationChart"/>
     <dgm:cxn modelId="{14CF1625-B441-4AE5-9E7C-7B6754754775}" type="presOf" srcId="{151F552F-7EF6-400F-91F7-B7B9A8324C73}" destId="{86326920-4BAB-4D81-BF66-4E0E38A9E46B}" srcOrd="1" destOrd="0" presId="urn:microsoft.com/office/officeart/2008/layout/HalfCircleOrganizationChart"/>
     <dgm:cxn modelId="{46A9FD95-EC5D-42F3-BA18-C6019F85A02E}" type="presOf" srcId="{019F5870-650F-4F05-AAA0-0C254A54C162}" destId="{91D0D222-48F9-45C7-8BA8-B573C69C3B6E}" srcOrd="0" destOrd="0" presId="urn:microsoft.com/office/officeart/2008/layout/HalfCircleOrganizationChart"/>
+    <dgm:cxn modelId="{8CD8748A-453B-417E-8910-AC6AF4EC4291}" type="presOf" srcId="{019F5870-650F-4F05-AAA0-0C254A54C162}" destId="{DDF6F62D-A96A-455D-B6A9-5722EE8F2792}" srcOrd="1" destOrd="0" presId="urn:microsoft.com/office/officeart/2008/layout/HalfCircleOrganizationChart"/>
     <dgm:cxn modelId="{5971B0C8-DAF0-40F1-8D64-FE9AEC34A0DC}" type="presOf" srcId="{151F552F-7EF6-400F-91F7-B7B9A8324C73}" destId="{E2C5F002-B5A6-49EF-A95A-B070EEF32F80}" srcOrd="0" destOrd="0" presId="urn:microsoft.com/office/officeart/2008/layout/HalfCircleOrganizationChart"/>
+    <dgm:cxn modelId="{151D7AC5-E52F-4203-8815-97E7E0E7032C}" type="presOf" srcId="{A6484DD7-3A05-4464-8046-84A728BB456D}" destId="{D1336ABB-31EB-48B7-AF84-AE2FB2CBDA93}" srcOrd="0" destOrd="0" presId="urn:microsoft.com/office/officeart/2008/layout/HalfCircleOrganizationChart"/>
+    <dgm:cxn modelId="{9A167E5C-CD19-4AF3-9F9F-E9C028AA64F4}" type="presOf" srcId="{166F6CBC-18B4-4438-B8EC-B022CF46BF4D}" destId="{E5591542-4BE7-412C-9C67-D04D9F879EEA}" srcOrd="1" destOrd="0" presId="urn:microsoft.com/office/officeart/2008/layout/HalfCircleOrganizationChart"/>
+    <dgm:cxn modelId="{8D9A4E38-0877-40D1-8552-9BAF12BD93CB}" srcId="{019F5870-650F-4F05-AAA0-0C254A54C162}" destId="{151F552F-7EF6-400F-91F7-B7B9A8324C73}" srcOrd="1" destOrd="0" parTransId="{A6484DD7-3A05-4464-8046-84A728BB456D}" sibTransId="{4C31BFEE-7BFA-45F1-8F16-32F3884802C4}"/>
+    <dgm:cxn modelId="{75A35621-E53C-4BAA-8058-1EF931F2B654}" srcId="{DA342E01-E334-42D1-8171-B89F4131F747}" destId="{019F5870-650F-4F05-AAA0-0C254A54C162}" srcOrd="0" destOrd="0" parTransId="{93066FB3-2C0D-4EDA-8C94-D25605CEA909}" sibTransId="{5D472651-9192-42C6-838A-4794F59B48F4}"/>
+    <dgm:cxn modelId="{5560FE4C-9FA1-4964-BA33-3CF68979235B}" type="presOf" srcId="{DA342E01-E334-42D1-8171-B89F4131F747}" destId="{A8C6FC44-ACD4-4F37-9F41-7EAF0CF43069}" srcOrd="0" destOrd="0" presId="urn:microsoft.com/office/officeart/2008/layout/HalfCircleOrganizationChart"/>
     <dgm:cxn modelId="{35DDDAA7-AF6F-46AE-92BA-51D32595DF47}" srcId="{019F5870-650F-4F05-AAA0-0C254A54C162}" destId="{166F6CBC-18B4-4438-B8EC-B022CF46BF4D}" srcOrd="0" destOrd="0" parTransId="{7FF61EED-AC7D-48EA-9FA3-355CEBE859F4}" sibTransId="{8CC0E2C6-91E7-452E-B47C-76593833BF28}"/>
-    <dgm:cxn modelId="{9A167E5C-CD19-4AF3-9F9F-E9C028AA64F4}" type="presOf" srcId="{166F6CBC-18B4-4438-B8EC-B022CF46BF4D}" destId="{E5591542-4BE7-412C-9C67-D04D9F879EEA}" srcOrd="1" destOrd="0" presId="urn:microsoft.com/office/officeart/2008/layout/HalfCircleOrganizationChart"/>
-    <dgm:cxn modelId="{151D7AC5-E52F-4203-8815-97E7E0E7032C}" type="presOf" srcId="{A6484DD7-3A05-4464-8046-84A728BB456D}" destId="{D1336ABB-31EB-48B7-AF84-AE2FB2CBDA93}" srcOrd="0" destOrd="0" presId="urn:microsoft.com/office/officeart/2008/layout/HalfCircleOrganizationChart"/>
-    <dgm:cxn modelId="{8D9A4E38-0877-40D1-8552-9BAF12BD93CB}" srcId="{019F5870-650F-4F05-AAA0-0C254A54C162}" destId="{151F552F-7EF6-400F-91F7-B7B9A8324C73}" srcOrd="1" destOrd="0" parTransId="{A6484DD7-3A05-4464-8046-84A728BB456D}" sibTransId="{4C31BFEE-7BFA-45F1-8F16-32F3884802C4}"/>
-    <dgm:cxn modelId="{8CD8748A-453B-417E-8910-AC6AF4EC4291}" type="presOf" srcId="{019F5870-650F-4F05-AAA0-0C254A54C162}" destId="{DDF6F62D-A96A-455D-B6A9-5722EE8F2792}" srcOrd="1" destOrd="0" presId="urn:microsoft.com/office/officeart/2008/layout/HalfCircleOrganizationChart"/>
-    <dgm:cxn modelId="{6D6D175B-3EC8-49ED-ACEC-1D62BBEBCDF9}" type="presOf" srcId="{7FF61EED-AC7D-48EA-9FA3-355CEBE859F4}" destId="{DEB0E1AB-8B61-489B-B7A1-AECAA44D90EF}" srcOrd="0" destOrd="0" presId="urn:microsoft.com/office/officeart/2008/layout/HalfCircleOrganizationChart"/>
     <dgm:cxn modelId="{0B2ED563-4F75-4ACD-B18A-B3EA4B2E3DC5}" type="presParOf" srcId="{A8C6FC44-ACD4-4F37-9F41-7EAF0CF43069}" destId="{E2DE3FF5-AC2D-44FD-8AEF-7EA928FE28A7}" srcOrd="0" destOrd="0" presId="urn:microsoft.com/office/officeart/2008/layout/HalfCircleOrganizationChart"/>
     <dgm:cxn modelId="{D5BD3A7C-8FBD-4795-81BF-2154134244CD}" type="presParOf" srcId="{E2DE3FF5-AC2D-44FD-8AEF-7EA928FE28A7}" destId="{74521654-80FD-4FE2-A348-02687233D4CA}" srcOrd="0" destOrd="0" presId="urn:microsoft.com/office/officeart/2008/layout/HalfCircleOrganizationChart"/>
     <dgm:cxn modelId="{CBD590C3-CAEB-4388-94C9-8C0B0A8FF04E}" type="presParOf" srcId="{74521654-80FD-4FE2-A348-02687233D4CA}" destId="{91D0D222-48F9-45C7-8BA8-B573C69C3B6E}" srcOrd="0" destOrd="0" presId="urn:microsoft.com/office/officeart/2008/layout/HalfCircleOrganizationChart"/>
@@ -8722,7 +8722,7 @@
           <a:p>
             <a:fld id="{18D58CDB-FB35-4960-BBD1-BE10E7E051F2}" type="datetimeFigureOut">
               <a:rPr lang="en-US" smtClean="0"/>
-              <a:t>5/8/2022</a:t>
+              <a:t>5/11/2022</a:t>
             </a:fld>
             <a:endParaRPr lang="en-US"/>
           </a:p>
@@ -9552,14 +9552,14 @@
           <a:ln/>
           <a:extLst>
             <a:ext uri="{909E8E84-426E-40dd-AFC4-6F175D3DCCD1}">
-              <a14:hiddenFill xmlns:a14="http://schemas.microsoft.com/office/drawing/2010/main" xmlns="">
+              <a14:hiddenFill xmlns="" xmlns:a14="http://schemas.microsoft.com/office/drawing/2010/main">
                 <a:solidFill>
                   <a:srgbClr val="FFFFFF"/>
                 </a:solidFill>
               </a14:hiddenFill>
             </a:ext>
             <a:ext uri="{91240B29-F687-4f45-9708-019B960494DF}">
-              <a14:hiddenLine xmlns:a14="http://schemas.microsoft.com/office/drawing/2010/main" xmlns="" w="9525">
+              <a14:hiddenLine xmlns="" xmlns:a14="http://schemas.microsoft.com/office/drawing/2010/main" w="9525">
                 <a:solidFill>
                   <a:srgbClr val="000000"/>
                 </a:solidFill>
@@ -9569,7 +9569,7 @@
               </a14:hiddenLine>
             </a:ext>
             <a:ext uri="{FAA26D3D-D897-4be2-8F04-BA451C77F1D7}">
-              <ma14:placeholderFlag xmlns:ma14="http://schemas.microsoft.com/office/mac/drawingml/2011/main" xmlns="" val="1"/>
+              <ma14:placeholderFlag xmlns="" xmlns:ma14="http://schemas.microsoft.com/office/mac/drawingml/2011/main" val="1"/>
             </a:ext>
           </a:extLst>
         </p:spPr>
@@ -10098,14 +10098,14 @@
           <a:ln/>
           <a:extLst>
             <a:ext uri="{909E8E84-426E-40dd-AFC4-6F175D3DCCD1}">
-              <a14:hiddenFill xmlns:a14="http://schemas.microsoft.com/office/drawing/2010/main" xmlns="">
+              <a14:hiddenFill xmlns="" xmlns:a14="http://schemas.microsoft.com/office/drawing/2010/main">
                 <a:solidFill>
                   <a:srgbClr val="FFFFFF"/>
                 </a:solidFill>
               </a14:hiddenFill>
             </a:ext>
             <a:ext uri="{91240B29-F687-4f45-9708-019B960494DF}">
-              <a14:hiddenLine xmlns:a14="http://schemas.microsoft.com/office/drawing/2010/main" xmlns="" w="9525">
+              <a14:hiddenLine xmlns="" xmlns:a14="http://schemas.microsoft.com/office/drawing/2010/main" w="9525">
                 <a:solidFill>
                   <a:srgbClr val="000000"/>
                 </a:solidFill>
@@ -10115,7 +10115,7 @@
               </a14:hiddenLine>
             </a:ext>
             <a:ext uri="{FAA26D3D-D897-4be2-8F04-BA451C77F1D7}">
-              <ma14:placeholderFlag xmlns:ma14="http://schemas.microsoft.com/office/mac/drawingml/2011/main" xmlns="" val="1"/>
+              <ma14:placeholderFlag xmlns="" xmlns:ma14="http://schemas.microsoft.com/office/mac/drawingml/2011/main" val="1"/>
             </a:ext>
           </a:extLst>
         </p:spPr>
@@ -10299,14 +10299,14 @@
           <a:ln/>
           <a:extLst>
             <a:ext uri="{909E8E84-426E-40dd-AFC4-6F175D3DCCD1}">
-              <a14:hiddenFill xmlns:a14="http://schemas.microsoft.com/office/drawing/2010/main" xmlns="">
+              <a14:hiddenFill xmlns="" xmlns:a14="http://schemas.microsoft.com/office/drawing/2010/main">
                 <a:solidFill>
                   <a:srgbClr val="FFFFFF"/>
                 </a:solidFill>
               </a14:hiddenFill>
             </a:ext>
             <a:ext uri="{91240B29-F687-4f45-9708-019B960494DF}">
-              <a14:hiddenLine xmlns:a14="http://schemas.microsoft.com/office/drawing/2010/main" xmlns="" w="9525">
+              <a14:hiddenLine xmlns="" xmlns:a14="http://schemas.microsoft.com/office/drawing/2010/main" w="9525">
                 <a:solidFill>
                   <a:srgbClr val="000000"/>
                 </a:solidFill>
@@ -10316,7 +10316,7 @@
               </a14:hiddenLine>
             </a:ext>
             <a:ext uri="{FAA26D3D-D897-4be2-8F04-BA451C77F1D7}">
-              <ma14:placeholderFlag xmlns:ma14="http://schemas.microsoft.com/office/mac/drawingml/2011/main" xmlns="" val="1"/>
+              <ma14:placeholderFlag xmlns="" xmlns:ma14="http://schemas.microsoft.com/office/mac/drawingml/2011/main" val="1"/>
             </a:ext>
           </a:extLst>
         </p:spPr>
@@ -10591,7 +10591,7 @@
           <a:p>
             <a:fld id="{73FDDA95-3E2A-4B2C-BE24-C5A0D5EA4D5D}" type="datetime1">
               <a:rPr lang="en-US" smtClean="0"/>
-              <a:t>5/8/2022</a:t>
+              <a:t>5/11/2022</a:t>
             </a:fld>
             <a:endParaRPr lang="en-US"/>
           </a:p>
@@ -10842,7 +10842,7 @@
           <a:p>
             <a:fld id="{97C0B128-ED08-4B46-B4D0-5439A7EB29B0}" type="datetime1">
               <a:rPr lang="en-US" smtClean="0"/>
-              <a:t>5/8/2022</a:t>
+              <a:t>5/11/2022</a:t>
             </a:fld>
             <a:endParaRPr lang="en-US"/>
           </a:p>
@@ -11022,7 +11022,7 @@
           <a:p>
             <a:fld id="{C3ECF309-123F-47C1-BC51-529A53EBC90B}" type="datetime1">
               <a:rPr lang="en-US" smtClean="0"/>
-              <a:t>5/8/2022</a:t>
+              <a:t>5/11/2022</a:t>
             </a:fld>
             <a:endParaRPr lang="en-US"/>
           </a:p>
@@ -11278,7 +11278,7 @@
           <a:p>
             <a:fld id="{8F491770-02F5-4EEB-8601-CC4E424F523D}" type="datetime1">
               <a:rPr lang="en-US" smtClean="0"/>
-              <a:t>5/8/2022</a:t>
+              <a:t>5/11/2022</a:t>
             </a:fld>
             <a:endParaRPr lang="en-US"/>
           </a:p>
@@ -11623,7 +11623,7 @@
           <a:p>
             <a:fld id="{63A2874A-11ED-4E3A-9066-213A68F8CED7}" type="datetime1">
               <a:rPr lang="en-US" smtClean="0"/>
-              <a:t>5/8/2022</a:t>
+              <a:t>5/11/2022</a:t>
             </a:fld>
             <a:endParaRPr lang="en-US"/>
           </a:p>
@@ -11855,7 +11855,7 @@
           <a:p>
             <a:fld id="{F56AB2B8-B9CD-4E2D-B57D-FBF811708A7C}" type="datetime1">
               <a:rPr lang="en-US" smtClean="0"/>
-              <a:t>5/8/2022</a:t>
+              <a:t>5/11/2022</a:t>
             </a:fld>
             <a:endParaRPr lang="en-US"/>
           </a:p>
@@ -12222,7 +12222,7 @@
           <a:p>
             <a:fld id="{8EFFCC53-0033-47FF-BD73-44EEB44BECA1}" type="datetime1">
               <a:rPr lang="en-US" smtClean="0"/>
-              <a:t>5/8/2022</a:t>
+              <a:t>5/11/2022</a:t>
             </a:fld>
             <a:endParaRPr lang="en-US"/>
           </a:p>
@@ -12317,7 +12317,7 @@
           <a:p>
             <a:fld id="{31FD96E9-5753-4FE4-8B3B-6EDF2976D164}" type="datetime1">
               <a:rPr lang="en-US" smtClean="0"/>
-              <a:t>5/8/2022</a:t>
+              <a:t>5/11/2022</a:t>
             </a:fld>
             <a:endParaRPr lang="en-US"/>
           </a:p>
@@ -12540,7 +12540,7 @@
             <a:fld id="{B2F5E2FA-C428-4CE7-95B0-168D3259A5BB}" type="datetimeFigureOut">
               <a:rPr lang="en-US" smtClean="0"/>
               <a:pPr/>
-              <a:t>5/8/2022</a:t>
+              <a:t>5/11/2022</a:t>
             </a:fld>
             <a:endParaRPr lang="en-US"/>
           </a:p>
@@ -12711,7 +12711,7 @@
           <a:p>
             <a:fld id="{E7DE8145-F44B-4601-8F4B-591622DFBFC6}" type="datetime1">
               <a:rPr lang="en-US" smtClean="0"/>
-              <a:t>5/8/2022</a:t>
+              <a:t>5/11/2022</a:t>
             </a:fld>
             <a:endParaRPr lang="en-US"/>
           </a:p>
@@ -12988,7 +12988,7 @@
           <a:p>
             <a:fld id="{4AB128D8-6988-4047-8644-6A4CB4B64017}" type="datetime1">
               <a:rPr lang="en-US" smtClean="0"/>
-              <a:t>5/8/2022</a:t>
+              <a:t>5/11/2022</a:t>
             </a:fld>
             <a:endParaRPr lang="en-US"/>
           </a:p>
@@ -13241,7 +13241,7 @@
           <a:p>
             <a:fld id="{9206963F-132D-48FF-BB0D-81F5CBD5164B}" type="datetime1">
               <a:rPr lang="en-US" smtClean="0"/>
-              <a:t>5/8/2022</a:t>
+              <a:t>5/11/2022</a:t>
             </a:fld>
             <a:endParaRPr lang="en-US"/>
           </a:p>
@@ -13454,7 +13454,7 @@
           <a:p>
             <a:fld id="{871C7A76-B038-443C-ABE7-91057FC74AAF}" type="datetime1">
               <a:rPr lang="en-US" smtClean="0"/>
-              <a:t>5/8/2022</a:t>
+              <a:t>5/11/2022</a:t>
             </a:fld>
             <a:endParaRPr lang="en-US"/>
           </a:p>
@@ -16094,7 +16094,7 @@
           <a:noFill/>
           <a:extLst>
             <a:ext uri="{909E8E84-426E-40dd-AFC4-6F175D3DCCD1}">
-              <a14:hiddenFill xmlns:a14="http://schemas.microsoft.com/office/drawing/2010/main" xmlns="">
+              <a14:hiddenFill xmlns="" xmlns:a14="http://schemas.microsoft.com/office/drawing/2010/main">
                 <a:solidFill>
                   <a:srgbClr val="FFFFFF"/>
                 </a:solidFill>
@@ -18065,7 +18065,7 @@
           <a:noFill/>
           <a:extLst>
             <a:ext uri="{909E8E84-426E-40dd-AFC4-6F175D3DCCD1}">
-              <a14:hiddenFill xmlns:a14="http://schemas.microsoft.com/office/drawing/2010/main" xmlns="">
+              <a14:hiddenFill xmlns="" xmlns:a14="http://schemas.microsoft.com/office/drawing/2010/main">
                 <a:solidFill>
                   <a:srgbClr val="FFFFFF"/>
                 </a:solidFill>
@@ -18500,7 +18500,7 @@
           <a:noFill/>
           <a:extLst>
             <a:ext uri="{909E8E84-426E-40dd-AFC4-6F175D3DCCD1}">
-              <a14:hiddenFill xmlns:a14="http://schemas.microsoft.com/office/drawing/2010/main" xmlns="">
+              <a14:hiddenFill xmlns="" xmlns:a14="http://schemas.microsoft.com/office/drawing/2010/main">
                 <a:solidFill>
                   <a:srgbClr val="FFFFFF"/>
                 </a:solidFill>
@@ -19058,7 +19058,7 @@
           <a:noFill/>
           <a:extLst>
             <a:ext uri="{909E8E84-426E-40dd-AFC4-6F175D3DCCD1}">
-              <a14:hiddenFill xmlns:a14="http://schemas.microsoft.com/office/drawing/2010/main" xmlns="">
+              <a14:hiddenFill xmlns="" xmlns:a14="http://schemas.microsoft.com/office/drawing/2010/main">
                 <a:solidFill>
                   <a:srgbClr val="FFFFFF"/>
                 </a:solidFill>
@@ -19550,7 +19550,7 @@
           <a:noFill/>
           <a:extLst>
             <a:ext uri="{909E8E84-426E-40dd-AFC4-6F175D3DCCD1}">
-              <a14:hiddenFill xmlns:a14="http://schemas.microsoft.com/office/drawing/2010/main" xmlns="">
+              <a14:hiddenFill xmlns="" xmlns:a14="http://schemas.microsoft.com/office/drawing/2010/main">
                 <a:solidFill>
                   <a:srgbClr val="FFFFFF"/>
                 </a:solidFill>
@@ -20433,7 +20433,7 @@
           <a:noFill/>
           <a:extLst>
             <a:ext uri="{909E8E84-426E-40dd-AFC4-6F175D3DCCD1}">
-              <a14:hiddenFill xmlns:a14="http://schemas.microsoft.com/office/drawing/2010/main" xmlns="">
+              <a14:hiddenFill xmlns="" xmlns:a14="http://schemas.microsoft.com/office/drawing/2010/main">
                 <a:solidFill>
                   <a:srgbClr val="FFFFFF"/>
                 </a:solidFill>
@@ -20871,7 +20871,7 @@
           <a:noFill/>
           <a:extLst>
             <a:ext uri="{909E8E84-426E-40dd-AFC4-6F175D3DCCD1}">
-              <a14:hiddenFill xmlns:a14="http://schemas.microsoft.com/office/drawing/2010/main" xmlns="">
+              <a14:hiddenFill xmlns="" xmlns:a14="http://schemas.microsoft.com/office/drawing/2010/main">
                 <a:solidFill>
                   <a:srgbClr val="FFFFFF"/>
                 </a:solidFill>
@@ -21303,7 +21303,7 @@
           <a:noFill/>
           <a:extLst>
             <a:ext uri="{909E8E84-426E-40dd-AFC4-6F175D3DCCD1}">
-              <a14:hiddenFill xmlns:a14="http://schemas.microsoft.com/office/drawing/2010/main" xmlns="">
+              <a14:hiddenFill xmlns="" xmlns:a14="http://schemas.microsoft.com/office/drawing/2010/main">
                 <a:solidFill>
                   <a:srgbClr val="FFFFFF"/>
                 </a:solidFill>
@@ -21735,7 +21735,7 @@
           <a:noFill/>
           <a:extLst>
             <a:ext uri="{909E8E84-426E-40dd-AFC4-6F175D3DCCD1}">
-              <a14:hiddenFill xmlns:a14="http://schemas.microsoft.com/office/drawing/2010/main" xmlns="">
+              <a14:hiddenFill xmlns="" xmlns:a14="http://schemas.microsoft.com/office/drawing/2010/main">
                 <a:solidFill>
                   <a:srgbClr val="FFFFFF"/>
                 </a:solidFill>
@@ -24735,15 +24735,7 @@
             <a:pPr lvl="1"/>
             <a:r>
               <a:rPr lang="en-US" dirty="0" smtClean="0"/>
-              <a:t>Support for traceability of </a:t>
-            </a:r>
-            <a:r>
-              <a:rPr lang="en-US" dirty="0" smtClean="0"/>
-              <a:t>tests, </a:t>
-            </a:r>
-            <a:r>
-              <a:rPr lang="en-US" dirty="0" smtClean="0"/>
-              <a:t>test results and incidents to source documents, such as requirements specifications.</a:t>
+              <a:t>Support for traceability of tests, test results and incidents to source documents, such as requirements specifications.</a:t>
             </a:r>
           </a:p>
           <a:p>
@@ -24845,7 +24837,6 @@
               <a:rPr lang="en-US" dirty="0"/>
               <a:t>Testing Management Tools</a:t>
             </a:r>
-            <a:endParaRPr lang="en-US" dirty="0"/>
           </a:p>
         </p:txBody>
       </p:sp>
@@ -24904,7 +24895,6 @@
               <a:rPr lang="en-US" dirty="0" smtClean="0"/>
               <a:t>Requirements-Tests Traceability</a:t>
             </a:r>
-            <a:endParaRPr lang="en-US" dirty="0" smtClean="0"/>
           </a:p>
           <a:p>
             <a:r>
@@ -24935,7 +24925,11 @@
           <a:p>
             <a:r>
               <a:rPr lang="en-US" dirty="0" smtClean="0"/>
-              <a:t>Continuous integrations tool (D)</a:t>
+              <a:t>Continuous integrations </a:t>
+            </a:r>
+            <a:r>
+              <a:rPr lang="en-US" dirty="0" smtClean="0"/>
+              <a:t>tool</a:t>
             </a:r>
             <a:endParaRPr lang="en-US" dirty="0"/>
           </a:p>
@@ -25582,8 +25576,13 @@
           <a:p>
             <a:r>
               <a:rPr lang="en-US" dirty="0" smtClean="0"/>
-              <a:t>Static analysis tools (D)</a:t>
-            </a:r>
+              <a:t>Static analysis </a:t>
+            </a:r>
+            <a:r>
+              <a:rPr lang="en-US" dirty="0" smtClean="0"/>
+              <a:t>tools</a:t>
+            </a:r>
+            <a:endParaRPr lang="en-US" dirty="0" smtClean="0"/>
           </a:p>
           <a:p>
             <a:pPr lvl="1"/>
@@ -25734,8 +25733,13 @@
           <a:p>
             <a:r>
               <a:rPr lang="en-US" dirty="0" smtClean="0"/>
-              <a:t>Static analysis tools (D)</a:t>
-            </a:r>
+              <a:t>Static analysis </a:t>
+            </a:r>
+            <a:r>
+              <a:rPr lang="en-US" dirty="0" smtClean="0"/>
+              <a:t>tools</a:t>
+            </a:r>
+            <a:endParaRPr lang="en-US" dirty="0" smtClean="0"/>
           </a:p>
           <a:p>
             <a:pPr lvl="1"/>
@@ -25857,8 +25861,8 @@
           <a:lstStyle/>
           <a:p>
             <a:r>
-              <a:rPr lang="en-US" dirty="0" smtClean="0"/>
-              <a:t>Static analysis tools (D)</a:t>
+              <a:rPr lang="en-US" dirty="0"/>
+              <a:t>Static Testing Tools</a:t>
             </a:r>
             <a:endParaRPr lang="en-US" dirty="0"/>
           </a:p>
@@ -26020,8 +26024,8 @@
           <a:lstStyle/>
           <a:p>
             <a:r>
-              <a:rPr lang="en-US" dirty="0" smtClean="0"/>
-              <a:t>Static analysis tools (D)</a:t>
+              <a:rPr lang="en-US" dirty="0"/>
+              <a:t>Static Testing Tools</a:t>
             </a:r>
             <a:endParaRPr lang="en-US" dirty="0"/>
           </a:p>
@@ -26216,8 +26220,8 @@
           <a:lstStyle/>
           <a:p>
             <a:r>
-              <a:rPr lang="en-US" dirty="0" smtClean="0"/>
-              <a:t>Static analysis tools (D)</a:t>
+              <a:rPr lang="en-US" dirty="0"/>
+              <a:t>Static Testing Tools</a:t>
             </a:r>
             <a:endParaRPr lang="en-US" dirty="0"/>
           </a:p>
@@ -26403,8 +26407,8 @@
           <a:lstStyle/>
           <a:p>
             <a:r>
-              <a:rPr lang="en-US" dirty="0" smtClean="0"/>
-              <a:t>Static analysis tools (D)</a:t>
+              <a:rPr lang="en-US" dirty="0"/>
+              <a:t>Static Testing Tools</a:t>
             </a:r>
             <a:endParaRPr lang="en-US" dirty="0"/>
           </a:p>
@@ -26584,8 +26588,13 @@
           <a:p>
             <a:r>
               <a:rPr lang="en-US" dirty="0" smtClean="0"/>
-              <a:t>Modeling tools (D)</a:t>
-            </a:r>
+              <a:t>Modeling </a:t>
+            </a:r>
+            <a:r>
+              <a:rPr lang="en-US" dirty="0" smtClean="0"/>
+              <a:t>tools</a:t>
+            </a:r>
+            <a:endParaRPr lang="en-US" dirty="0" smtClean="0"/>
           </a:p>
           <a:p>
             <a:pPr lvl="1"/>
@@ -27229,7 +27238,6 @@
               <a:rPr lang="en-US" dirty="0"/>
               <a:t>Test Specification Tools</a:t>
             </a:r>
-            <a:endParaRPr lang="en-US" dirty="0"/>
           </a:p>
         </p:txBody>
       </p:sp>
@@ -27281,8 +27289,13 @@
             </a:r>
             <a:r>
               <a:rPr lang="en-US" dirty="0"/>
-              <a:t>-Test driven development tool (D)</a:t>
-            </a:r>
+              <a:t>-Test driven development </a:t>
+            </a:r>
+            <a:r>
+              <a:rPr lang="en-US" dirty="0" smtClean="0"/>
+              <a:t>tool</a:t>
+            </a:r>
+            <a:endParaRPr lang="en-US" dirty="0"/>
           </a:p>
           <a:p>
             <a:r>
@@ -27380,7 +27393,6 @@
               <a:rPr lang="en-US" dirty="0"/>
               <a:t>Test Specification Tools</a:t>
             </a:r>
-            <a:endParaRPr lang="en-US" dirty="0"/>
           </a:p>
         </p:txBody>
       </p:sp>
@@ -27560,7 +27572,6 @@
               <a:rPr lang="en-US" dirty="0"/>
               <a:t>Test Specification Tools</a:t>
             </a:r>
-            <a:endParaRPr lang="en-US" dirty="0"/>
           </a:p>
         </p:txBody>
       </p:sp>
@@ -27713,7 +27724,6 @@
               <a:rPr lang="en-US" dirty="0"/>
               <a:t>Test Specification Tools</a:t>
             </a:r>
-            <a:endParaRPr lang="en-US" dirty="0"/>
           </a:p>
         </p:txBody>
       </p:sp>
@@ -27736,7 +27746,11 @@
           <a:p>
             <a:r>
               <a:rPr lang="en-US" b="1" dirty="0"/>
-              <a:t>TDD -Test driven development tool (D)</a:t>
+              <a:t>TDD -Test driven development </a:t>
+            </a:r>
+            <a:r>
+              <a:rPr lang="en-US" b="1" dirty="0" smtClean="0"/>
+              <a:t>tool</a:t>
             </a:r>
             <a:endParaRPr lang="en-US" dirty="0"/>
           </a:p>
@@ -28043,7 +28057,6 @@
               <a:rPr lang="en-US" dirty="0"/>
               <a:t>Test Execution &amp; Logging Tools</a:t>
             </a:r>
-            <a:endParaRPr lang="en-US" dirty="0"/>
           </a:p>
         </p:txBody>
       </p:sp>
@@ -28086,9 +28099,18 @@
               <a:t>Test </a:t>
             </a:r>
             <a:r>
+              <a:rPr lang="en-US" dirty="0" smtClean="0"/>
+              <a:t>harnesses and </a:t>
+            </a:r>
+            <a:r>
               <a:rPr lang="en-US" dirty="0"/>
-              <a:t>harnesses (D) and Unit test framework tools (D)</a:t>
-            </a:r>
+              <a:t>Unit test framework </a:t>
+            </a:r>
+            <a:r>
+              <a:rPr lang="en-US" dirty="0" smtClean="0"/>
+              <a:t>tools</a:t>
+            </a:r>
+            <a:endParaRPr lang="en-US" dirty="0"/>
           </a:p>
           <a:p>
             <a:r>
@@ -28178,7 +28200,6 @@
               <a:rPr lang="en-US" dirty="0"/>
               <a:t>Test Execution &amp; Logging Tools</a:t>
             </a:r>
-            <a:endParaRPr lang="en-US" dirty="0"/>
           </a:p>
         </p:txBody>
       </p:sp>
@@ -28571,7 +28592,6 @@
               <a:rPr lang="en-US" dirty="0"/>
               <a:t>Test Execution &amp; Logging Tools</a:t>
             </a:r>
-            <a:endParaRPr lang="en-US" dirty="0"/>
           </a:p>
         </p:txBody>
       </p:sp>
@@ -28597,9 +28617,18 @@
               <a:t>Test </a:t>
             </a:r>
             <a:r>
+              <a:rPr lang="en-US" b="1" dirty="0" smtClean="0"/>
+              <a:t>harnesses and </a:t>
+            </a:r>
+            <a:r>
               <a:rPr lang="en-US" b="1" dirty="0"/>
-              <a:t>harnesses (D) and Unit test framework tools (D)</a:t>
-            </a:r>
+              <a:t>Unit test framework </a:t>
+            </a:r>
+            <a:r>
+              <a:rPr lang="en-US" b="1" dirty="0" smtClean="0"/>
+              <a:t>tools</a:t>
+            </a:r>
+            <a:endParaRPr lang="en-US" b="1" dirty="0"/>
           </a:p>
           <a:p>
             <a:pPr lvl="1"/>
@@ -28726,7 +28755,6 @@
               <a:rPr lang="en-US" dirty="0"/>
               <a:t>Test Execution &amp; Logging Tools</a:t>
             </a:r>
-            <a:endParaRPr lang="en-US" dirty="0"/>
           </a:p>
         </p:txBody>
       </p:sp>
@@ -28898,7 +28926,6 @@
               <a:rPr lang="en-US" dirty="0"/>
               <a:t>Test Execution &amp; Logging Tools</a:t>
             </a:r>
-            <a:endParaRPr lang="en-US" dirty="0"/>
           </a:p>
         </p:txBody>
       </p:sp>
@@ -28924,13 +28951,18 @@
               <a:t>Test </a:t>
             </a:r>
             <a:r>
+              <a:rPr lang="en-US" b="1" dirty="0" smtClean="0"/>
+              <a:t>harnesses and </a:t>
+            </a:r>
+            <a:r>
               <a:rPr lang="en-US" b="1" dirty="0"/>
-              <a:t>harnesses (D) and Unit test framework tools (D</a:t>
+              <a:t>Unit test framework </a:t>
             </a:r>
             <a:r>
               <a:rPr lang="en-US" b="1" dirty="0" smtClean="0"/>
-              <a:t>)</a:t>
-            </a:r>
+              <a:t>tools</a:t>
+            </a:r>
+            <a:endParaRPr lang="en-US" b="1" dirty="0" smtClean="0"/>
           </a:p>
           <a:p>
             <a:pPr lvl="1"/>
@@ -28943,15 +28975,7 @@
             <a:pPr lvl="1"/>
             <a:r>
               <a:rPr lang="en-US" dirty="0" smtClean="0"/>
-              <a:t>Support tools for testing individual </a:t>
-            </a:r>
-            <a:r>
-              <a:rPr lang="en-US" dirty="0" smtClean="0"/>
-              <a:t>components </a:t>
-            </a:r>
-            <a:r>
-              <a:rPr lang="en-US" dirty="0" smtClean="0"/>
-              <a:t>or software units</a:t>
+              <a:t>Support tools for testing individual components or software units</a:t>
             </a:r>
           </a:p>
           <a:p>
@@ -29058,7 +29082,6 @@
               <a:rPr lang="en-US" dirty="0"/>
               <a:t>Test Execution &amp; Logging Tools</a:t>
             </a:r>
-            <a:endParaRPr lang="en-US" dirty="0"/>
           </a:p>
         </p:txBody>
       </p:sp>
@@ -29207,7 +29230,6 @@
               <a:rPr lang="en-US" dirty="0"/>
               <a:t>Test Execution &amp; Logging Tools</a:t>
             </a:r>
-            <a:endParaRPr lang="en-US" dirty="0"/>
           </a:p>
         </p:txBody>
       </p:sp>
@@ -29465,7 +29487,6 @@
               <a:rPr lang="en-US" dirty="0"/>
               <a:t>Performance &amp; Monitoring Tools</a:t>
             </a:r>
-            <a:endParaRPr lang="en-US" dirty="0"/>
           </a:p>
         </p:txBody>
       </p:sp>
@@ -29631,7 +29652,6 @@
               <a:rPr lang="en-US" dirty="0"/>
               <a:t>Performance &amp; Monitoring Tools</a:t>
             </a:r>
-            <a:endParaRPr lang="en-US" dirty="0"/>
           </a:p>
         </p:txBody>
       </p:sp>
@@ -29856,7 +29876,6 @@
               <a:rPr lang="en-US" dirty="0"/>
               <a:t>Performance &amp; Monitoring Tools</a:t>
             </a:r>
-            <a:endParaRPr lang="en-US" dirty="0"/>
           </a:p>
         </p:txBody>
       </p:sp>
@@ -30649,7 +30668,6 @@
               <a:rPr lang="en-US" dirty="0"/>
               <a:t>Performance &amp; Monitoring Tools</a:t>
             </a:r>
-            <a:endParaRPr lang="en-US" dirty="0"/>
           </a:p>
         </p:txBody>
       </p:sp>
@@ -30985,7 +31003,6 @@
               <a:rPr lang="en-US" dirty="0"/>
               <a:t>Specific Application Areas Tools</a:t>
             </a:r>
-            <a:endParaRPr lang="en-US" dirty="0"/>
           </a:p>
         </p:txBody>
       </p:sp>
@@ -31129,7 +31146,6 @@
               <a:rPr lang="en-US" dirty="0"/>
               <a:t>Specific Application Areas Tools</a:t>
             </a:r>
-            <a:endParaRPr lang="en-US" dirty="0"/>
           </a:p>
         </p:txBody>
       </p:sp>
@@ -31259,7 +31275,6 @@
               <a:rPr lang="en-US" dirty="0"/>
               <a:t>Specific Application Areas Tools</a:t>
             </a:r>
-            <a:endParaRPr lang="en-US" dirty="0"/>
           </a:p>
         </p:txBody>
       </p:sp>
@@ -31527,11 +31542,7 @@
           <a:p>
             <a:r>
               <a:rPr lang="en-US" dirty="0" smtClean="0"/>
-              <a:t>Potential </a:t>
-            </a:r>
-            <a:r>
-              <a:rPr lang="en-US" dirty="0" smtClean="0"/>
-              <a:t>Benefits</a:t>
+              <a:t>Potential Benefits</a:t>
             </a:r>
             <a:endParaRPr lang="en-US" dirty="0"/>
           </a:p>
@@ -31659,7 +31670,6 @@
               <a:rPr lang="en-US" dirty="0"/>
               <a:t>Potential Benefits</a:t>
             </a:r>
-            <a:endParaRPr lang="en-US" dirty="0"/>
           </a:p>
         </p:txBody>
       </p:sp>
@@ -32186,7 +32196,6 @@
               <a:rPr lang="en-US" dirty="0"/>
               <a:t>Potential Benefits</a:t>
             </a:r>
-            <a:endParaRPr lang="en-US" dirty="0"/>
           </a:p>
         </p:txBody>
       </p:sp>
@@ -32335,7 +32344,6 @@
               <a:rPr lang="en-US" dirty="0"/>
               <a:t>Potential Benefits</a:t>
             </a:r>
-            <a:endParaRPr lang="en-US" dirty="0"/>
           </a:p>
         </p:txBody>
       </p:sp>
@@ -32511,11 +32519,7 @@
           <a:p>
             <a:r>
               <a:rPr lang="en-US" dirty="0" smtClean="0"/>
-              <a:t>Potential </a:t>
-            </a:r>
-            <a:r>
-              <a:rPr lang="en-US" dirty="0" smtClean="0"/>
-              <a:t>Risks</a:t>
+              <a:t>Potential Risks</a:t>
             </a:r>
             <a:endParaRPr lang="en-US" dirty="0"/>
           </a:p>
@@ -32639,11 +32643,7 @@
           <a:p>
             <a:r>
               <a:rPr lang="en-US" dirty="0" smtClean="0"/>
-              <a:t>Potential </a:t>
-            </a:r>
-            <a:r>
-              <a:rPr lang="en-US" dirty="0" smtClean="0"/>
-              <a:t>Risks</a:t>
+              <a:t>Potential Risks</a:t>
             </a:r>
             <a:endParaRPr lang="en-US" dirty="0"/>
           </a:p>
@@ -34775,7 +34775,7 @@
               </a:ln>
               <a:extLst>
                 <a:ext uri="{909E8E84-426E-40dd-AFC4-6F175D3DCCD1}">
-                  <a14:hiddenFill xmlns:a14="http://schemas.microsoft.com/office/drawing/2010/main" xmlns="">
+                  <a14:hiddenFill xmlns="" xmlns:a14="http://schemas.microsoft.com/office/drawing/2010/main">
                     <a:noFill/>
                   </a14:hiddenFill>
                 </a:ext>
@@ -34882,7 +34882,7 @@
               </a:ln>
               <a:extLst>
                 <a:ext uri="{909E8E84-426E-40dd-AFC4-6F175D3DCCD1}">
-                  <a14:hiddenFill xmlns:a14="http://schemas.microsoft.com/office/drawing/2010/main" xmlns="">
+                  <a14:hiddenFill xmlns="" xmlns:a14="http://schemas.microsoft.com/office/drawing/2010/main">
                     <a:solidFill>
                       <a:srgbClr val="FFFFFF"/>
                     </a:solidFill>
@@ -34928,7 +34928,7 @@
             </a:ln>
             <a:extLst>
               <a:ext uri="{909E8E84-426E-40dd-AFC4-6F175D3DCCD1}">
-                <a14:hiddenFill xmlns:a14="http://schemas.microsoft.com/office/drawing/2010/main" xmlns="">
+                <a14:hiddenFill xmlns="" xmlns:a14="http://schemas.microsoft.com/office/drawing/2010/main">
                   <a:noFill/>
                 </a14:hiddenFill>
               </a:ext>
@@ -34973,7 +34973,7 @@
             </a:ln>
             <a:extLst>
               <a:ext uri="{909E8E84-426E-40dd-AFC4-6F175D3DCCD1}">
-                <a14:hiddenFill xmlns:a14="http://schemas.microsoft.com/office/drawing/2010/main" xmlns="">
+                <a14:hiddenFill xmlns="" xmlns:a14="http://schemas.microsoft.com/office/drawing/2010/main">
                   <a:noFill/>
                 </a14:hiddenFill>
               </a:ext>
@@ -35066,14 +35066,14 @@
             </a:ln>
             <a:extLst>
               <a:ext uri="{909E8E84-426E-40dd-AFC4-6F175D3DCCD1}">
-                <a14:hiddenFill xmlns:a14="http://schemas.microsoft.com/office/drawing/2010/main" xmlns="">
+                <a14:hiddenFill xmlns="" xmlns:a14="http://schemas.microsoft.com/office/drawing/2010/main">
                   <a:solidFill>
                     <a:srgbClr val="FFFFFF"/>
                   </a:solidFill>
                 </a14:hiddenFill>
               </a:ext>
               <a:ext uri="{91240B29-F687-4f45-9708-019B960494DF}">
-                <a14:hiddenLine xmlns:a14="http://schemas.microsoft.com/office/drawing/2010/main" xmlns="" w="9525">
+                <a14:hiddenLine xmlns="" xmlns:a14="http://schemas.microsoft.com/office/drawing/2010/main" w="9525">
                   <a:solidFill>
                     <a:srgbClr val="000000"/>
                   </a:solidFill>
